--- a/我心切切渴慕你(崇拜版).pptx
+++ b/我心切切渴慕你(崇拜版).pptx
@@ -2,7 +2,7 @@
 <file path=ppt/presentation.xml><?xml version="1.0" encoding="utf-8"?>
 <p:presentation xmlns:a="http://schemas.openxmlformats.org/drawingml/2006/main" xmlns:r="http://schemas.openxmlformats.org/officeDocument/2006/relationships" xmlns:p="http://schemas.openxmlformats.org/presentationml/2006/main" saveSubsetFonts="1">
   <p:sldMasterIdLst>
-    <p:sldMasterId id="2147483648" r:id="rId1"/>
+    <p:sldMasterId id="2147483660" r:id="rId1"/>
   </p:sldMasterIdLst>
   <p:sldIdLst>
     <p:sldId id="256" r:id="rId2"/>
@@ -291,7 +291,8 @@
           <a:p>
             <a:fld id="{1358C6C7-DC36-49BA-B09E-2C760A046223}" type="datetimeFigureOut">
               <a:rPr lang="zh-TW" altLang="en-US" smtClean="0"/>
-              <a:t>2017/6/11</a:t>
+              <a:pPr/>
+              <a:t>2019/3/16</a:t>
             </a:fld>
             <a:endParaRPr lang="zh-TW" altLang="en-US"/>
           </a:p>
@@ -333,6 +334,7 @@
           <a:p>
             <a:fld id="{B4350546-6FA6-46D1-B0C1-5A8BE7120494}" type="slidenum">
               <a:rPr lang="zh-TW" altLang="en-US" smtClean="0"/>
+              <a:pPr/>
               <a:t>‹#›</a:t>
             </a:fld>
             <a:endParaRPr lang="zh-TW" altLang="en-US"/>
@@ -456,7 +458,8 @@
           <a:p>
             <a:fld id="{1358C6C7-DC36-49BA-B09E-2C760A046223}" type="datetimeFigureOut">
               <a:rPr lang="zh-TW" altLang="en-US" smtClean="0"/>
-              <a:t>2017/6/11</a:t>
+              <a:pPr/>
+              <a:t>2019/3/16</a:t>
             </a:fld>
             <a:endParaRPr lang="zh-TW" altLang="en-US"/>
           </a:p>
@@ -498,6 +501,7 @@
           <a:p>
             <a:fld id="{B4350546-6FA6-46D1-B0C1-5A8BE7120494}" type="slidenum">
               <a:rPr lang="zh-TW" altLang="en-US" smtClean="0"/>
+              <a:pPr/>
               <a:t>‹#›</a:t>
             </a:fld>
             <a:endParaRPr lang="zh-TW" altLang="en-US"/>
@@ -631,7 +635,8 @@
           <a:p>
             <a:fld id="{1358C6C7-DC36-49BA-B09E-2C760A046223}" type="datetimeFigureOut">
               <a:rPr lang="zh-TW" altLang="en-US" smtClean="0"/>
-              <a:t>2017/6/11</a:t>
+              <a:pPr/>
+              <a:t>2019/3/16</a:t>
             </a:fld>
             <a:endParaRPr lang="zh-TW" altLang="en-US"/>
           </a:p>
@@ -673,6 +678,7 @@
           <a:p>
             <a:fld id="{B4350546-6FA6-46D1-B0C1-5A8BE7120494}" type="slidenum">
               <a:rPr lang="zh-TW" altLang="en-US" smtClean="0"/>
+              <a:pPr/>
               <a:t>‹#›</a:t>
             </a:fld>
             <a:endParaRPr lang="zh-TW" altLang="en-US"/>
@@ -796,7 +802,8 @@
           <a:p>
             <a:fld id="{1358C6C7-DC36-49BA-B09E-2C760A046223}" type="datetimeFigureOut">
               <a:rPr lang="zh-TW" altLang="en-US" smtClean="0"/>
-              <a:t>2017/6/11</a:t>
+              <a:pPr/>
+              <a:t>2019/3/16</a:t>
             </a:fld>
             <a:endParaRPr lang="zh-TW" altLang="en-US"/>
           </a:p>
@@ -838,6 +845,7 @@
           <a:p>
             <a:fld id="{B4350546-6FA6-46D1-B0C1-5A8BE7120494}" type="slidenum">
               <a:rPr lang="zh-TW" altLang="en-US" smtClean="0"/>
+              <a:pPr/>
               <a:t>‹#›</a:t>
             </a:fld>
             <a:endParaRPr lang="zh-TW" altLang="en-US"/>
@@ -1037,7 +1045,8 @@
           <a:p>
             <a:fld id="{1358C6C7-DC36-49BA-B09E-2C760A046223}" type="datetimeFigureOut">
               <a:rPr lang="zh-TW" altLang="en-US" smtClean="0"/>
-              <a:t>2017/6/11</a:t>
+              <a:pPr/>
+              <a:t>2019/3/16</a:t>
             </a:fld>
             <a:endParaRPr lang="zh-TW" altLang="en-US"/>
           </a:p>
@@ -1079,6 +1088,7 @@
           <a:p>
             <a:fld id="{B4350546-6FA6-46D1-B0C1-5A8BE7120494}" type="slidenum">
               <a:rPr lang="zh-TW" altLang="en-US" smtClean="0"/>
+              <a:pPr/>
               <a:t>‹#›</a:t>
             </a:fld>
             <a:endParaRPr lang="zh-TW" altLang="en-US"/>
@@ -1320,7 +1330,8 @@
           <a:p>
             <a:fld id="{1358C6C7-DC36-49BA-B09E-2C760A046223}" type="datetimeFigureOut">
               <a:rPr lang="zh-TW" altLang="en-US" smtClean="0"/>
-              <a:t>2017/6/11</a:t>
+              <a:pPr/>
+              <a:t>2019/3/16</a:t>
             </a:fld>
             <a:endParaRPr lang="zh-TW" altLang="en-US"/>
           </a:p>
@@ -1362,6 +1373,7 @@
           <a:p>
             <a:fld id="{B4350546-6FA6-46D1-B0C1-5A8BE7120494}" type="slidenum">
               <a:rPr lang="zh-TW" altLang="en-US" smtClean="0"/>
+              <a:pPr/>
               <a:t>‹#›</a:t>
             </a:fld>
             <a:endParaRPr lang="zh-TW" altLang="en-US"/>
@@ -1737,7 +1749,8 @@
           <a:p>
             <a:fld id="{1358C6C7-DC36-49BA-B09E-2C760A046223}" type="datetimeFigureOut">
               <a:rPr lang="zh-TW" altLang="en-US" smtClean="0"/>
-              <a:t>2017/6/11</a:t>
+              <a:pPr/>
+              <a:t>2019/3/16</a:t>
             </a:fld>
             <a:endParaRPr lang="zh-TW" altLang="en-US"/>
           </a:p>
@@ -1779,6 +1792,7 @@
           <a:p>
             <a:fld id="{B4350546-6FA6-46D1-B0C1-5A8BE7120494}" type="slidenum">
               <a:rPr lang="zh-TW" altLang="en-US" smtClean="0"/>
+              <a:pPr/>
               <a:t>‹#›</a:t>
             </a:fld>
             <a:endParaRPr lang="zh-TW" altLang="en-US"/>
@@ -1850,7 +1864,8 @@
           <a:p>
             <a:fld id="{1358C6C7-DC36-49BA-B09E-2C760A046223}" type="datetimeFigureOut">
               <a:rPr lang="zh-TW" altLang="en-US" smtClean="0"/>
-              <a:t>2017/6/11</a:t>
+              <a:pPr/>
+              <a:t>2019/3/16</a:t>
             </a:fld>
             <a:endParaRPr lang="zh-TW" altLang="en-US"/>
           </a:p>
@@ -1892,6 +1907,7 @@
           <a:p>
             <a:fld id="{B4350546-6FA6-46D1-B0C1-5A8BE7120494}" type="slidenum">
               <a:rPr lang="zh-TW" altLang="en-US" smtClean="0"/>
+              <a:pPr/>
               <a:t>‹#›</a:t>
             </a:fld>
             <a:endParaRPr lang="zh-TW" altLang="en-US"/>
@@ -1940,7 +1956,8 @@
           <a:p>
             <a:fld id="{1358C6C7-DC36-49BA-B09E-2C760A046223}" type="datetimeFigureOut">
               <a:rPr lang="zh-TW" altLang="en-US" smtClean="0"/>
-              <a:t>2017/6/11</a:t>
+              <a:pPr/>
+              <a:t>2019/3/16</a:t>
             </a:fld>
             <a:endParaRPr lang="zh-TW" altLang="en-US"/>
           </a:p>
@@ -1982,6 +1999,7 @@
           <a:p>
             <a:fld id="{B4350546-6FA6-46D1-B0C1-5A8BE7120494}" type="slidenum">
               <a:rPr lang="zh-TW" altLang="en-US" smtClean="0"/>
+              <a:pPr/>
               <a:t>‹#›</a:t>
             </a:fld>
             <a:endParaRPr lang="zh-TW" altLang="en-US"/>
@@ -2212,7 +2230,8 @@
           <a:p>
             <a:fld id="{1358C6C7-DC36-49BA-B09E-2C760A046223}" type="datetimeFigureOut">
               <a:rPr lang="zh-TW" altLang="en-US" smtClean="0"/>
-              <a:t>2017/6/11</a:t>
+              <a:pPr/>
+              <a:t>2019/3/16</a:t>
             </a:fld>
             <a:endParaRPr lang="zh-TW" altLang="en-US"/>
           </a:p>
@@ -2254,6 +2273,7 @@
           <a:p>
             <a:fld id="{B4350546-6FA6-46D1-B0C1-5A8BE7120494}" type="slidenum">
               <a:rPr lang="zh-TW" altLang="en-US" smtClean="0"/>
+              <a:pPr/>
               <a:t>‹#›</a:t>
             </a:fld>
             <a:endParaRPr lang="zh-TW" altLang="en-US"/>
@@ -2374,6 +2394,10 @@
             </a:lvl9pPr>
           </a:lstStyle>
           <a:p>
+            <a:r>
+              <a:rPr lang="zh-TW" altLang="en-US" smtClean="0"/>
+              <a:t>按一下圖示以新增圖片</a:t>
+            </a:r>
             <a:endParaRPr lang="zh-TW" altLang="en-US"/>
           </a:p>
         </p:txBody>
@@ -2460,7 +2484,8 @@
           <a:p>
             <a:fld id="{1358C6C7-DC36-49BA-B09E-2C760A046223}" type="datetimeFigureOut">
               <a:rPr lang="zh-TW" altLang="en-US" smtClean="0"/>
-              <a:t>2017/6/11</a:t>
+              <a:pPr/>
+              <a:t>2019/3/16</a:t>
             </a:fld>
             <a:endParaRPr lang="zh-TW" altLang="en-US"/>
           </a:p>
@@ -2502,6 +2527,7 @@
           <a:p>
             <a:fld id="{B4350546-6FA6-46D1-B0C1-5A8BE7120494}" type="slidenum">
               <a:rPr lang="zh-TW" altLang="en-US" smtClean="0"/>
+              <a:pPr/>
               <a:t>‹#›</a:t>
             </a:fld>
             <a:endParaRPr lang="zh-TW" altLang="en-US"/>
@@ -2520,9 +2546,14 @@
 <p:sldMaster xmlns:a="http://schemas.openxmlformats.org/drawingml/2006/main" xmlns:r="http://schemas.openxmlformats.org/officeDocument/2006/relationships" xmlns:p="http://schemas.openxmlformats.org/presentationml/2006/main">
   <p:cSld>
     <p:bg>
-      <p:bgRef idx="1001">
-        <a:schemeClr val="bg1"/>
-      </p:bgRef>
+      <p:bgPr>
+        <a:blipFill dpi="0" rotWithShape="1">
+          <a:blip r:embed="rId13"/>
+          <a:srcRect/>
+          <a:tile tx="0" ty="0" sx="100000" sy="100000" flip="none" algn="tl"/>
+        </a:blipFill>
+        <a:effectLst/>
+      </p:bgPr>
     </p:bg>
     <p:spTree>
       <p:nvGrpSpPr>
@@ -2668,7 +2699,8 @@
           <a:p>
             <a:fld id="{1358C6C7-DC36-49BA-B09E-2C760A046223}" type="datetimeFigureOut">
               <a:rPr lang="zh-TW" altLang="en-US" smtClean="0"/>
-              <a:t>2017/6/11</a:t>
+              <a:pPr/>
+              <a:t>2019/3/16</a:t>
             </a:fld>
             <a:endParaRPr lang="zh-TW" altLang="en-US"/>
           </a:p>
@@ -2746,6 +2778,7 @@
           <a:p>
             <a:fld id="{B4350546-6FA6-46D1-B0C1-5A8BE7120494}" type="slidenum">
               <a:rPr lang="zh-TW" altLang="en-US" smtClean="0"/>
+              <a:pPr/>
               <a:t>‹#›</a:t>
             </a:fld>
             <a:endParaRPr lang="zh-TW" altLang="en-US"/>
@@ -2756,17 +2789,17 @@
   </p:cSld>
   <p:clrMap bg1="lt1" tx1="dk1" bg2="lt2" tx2="dk2" accent1="accent1" accent2="accent2" accent3="accent3" accent4="accent4" accent5="accent5" accent6="accent6" hlink="hlink" folHlink="folHlink"/>
   <p:sldLayoutIdLst>
-    <p:sldLayoutId id="2147483649" r:id="rId1"/>
-    <p:sldLayoutId id="2147483650" r:id="rId2"/>
-    <p:sldLayoutId id="2147483651" r:id="rId3"/>
-    <p:sldLayoutId id="2147483652" r:id="rId4"/>
-    <p:sldLayoutId id="2147483653" r:id="rId5"/>
-    <p:sldLayoutId id="2147483654" r:id="rId6"/>
-    <p:sldLayoutId id="2147483655" r:id="rId7"/>
-    <p:sldLayoutId id="2147483656" r:id="rId8"/>
-    <p:sldLayoutId id="2147483657" r:id="rId9"/>
-    <p:sldLayoutId id="2147483658" r:id="rId10"/>
-    <p:sldLayoutId id="2147483659" r:id="rId11"/>
+    <p:sldLayoutId id="2147483661" r:id="rId1"/>
+    <p:sldLayoutId id="2147483662" r:id="rId2"/>
+    <p:sldLayoutId id="2147483663" r:id="rId3"/>
+    <p:sldLayoutId id="2147483664" r:id="rId4"/>
+    <p:sldLayoutId id="2147483665" r:id="rId5"/>
+    <p:sldLayoutId id="2147483666" r:id="rId6"/>
+    <p:sldLayoutId id="2147483667" r:id="rId7"/>
+    <p:sldLayoutId id="2147483668" r:id="rId8"/>
+    <p:sldLayoutId id="2147483669" r:id="rId9"/>
+    <p:sldLayoutId id="2147483670" r:id="rId10"/>
+    <p:sldLayoutId id="2147483671" r:id="rId11"/>
   </p:sldLayoutIdLst>
   <p:txStyles>
     <p:titleStyle>
@@ -3999,7 +4032,7 @@
 </file>
 
 <file path=ppt/theme/theme1.xml><?xml version="1.0" encoding="utf-8"?>
-<a:theme xmlns:a="http://schemas.openxmlformats.org/drawingml/2006/main" name="Office 佈景主題">
+<a:theme xmlns:a="http://schemas.openxmlformats.org/drawingml/2006/main" name="佈景主題1">
   <a:themeElements>
     <a:clrScheme name="Office">
       <a:dk1>

--- a/我心切切渴慕你(崇拜版).pptx
+++ b/我心切切渴慕你(崇拜版).pptx
@@ -10,7 +10,7 @@
     <p:sldId id="258" r:id="rId4"/>
     <p:sldId id="259" r:id="rId5"/>
   </p:sldIdLst>
-  <p:sldSz cx="9144000" cy="6858000" type="screen4x3"/>
+  <p:sldSz cx="9144000" cy="5143500" type="screen16x9"/>
   <p:notesSz cx="6858000" cy="9144000"/>
   <p:defaultTextStyle>
     <a:defPPr>
@@ -139,8 +139,8 @@
         </p:nvSpPr>
         <p:spPr>
           <a:xfrm>
-            <a:off x="685800" y="2130425"/>
-            <a:ext cx="7772400" cy="1470025"/>
+            <a:off x="685800" y="1597819"/>
+            <a:ext cx="7772400" cy="1102519"/>
           </a:xfrm>
         </p:spPr>
         <p:txBody>
@@ -167,8 +167,8 @@
         </p:nvSpPr>
         <p:spPr>
           <a:xfrm>
-            <a:off x="1371600" y="3886200"/>
-            <a:ext cx="6400800" cy="1752600"/>
+            <a:off x="1371600" y="2914650"/>
+            <a:ext cx="6400800" cy="1314450"/>
           </a:xfrm>
         </p:spPr>
         <p:txBody>
@@ -292,7 +292,7 @@
             <a:fld id="{1358C6C7-DC36-49BA-B09E-2C760A046223}" type="datetimeFigureOut">
               <a:rPr lang="zh-TW" altLang="en-US" smtClean="0"/>
               <a:pPr/>
-              <a:t>2019/3/16</a:t>
+              <a:t>2019/8/24</a:t>
             </a:fld>
             <a:endParaRPr lang="zh-TW" altLang="en-US"/>
           </a:p>
@@ -459,7 +459,7 @@
             <a:fld id="{1358C6C7-DC36-49BA-B09E-2C760A046223}" type="datetimeFigureOut">
               <a:rPr lang="zh-TW" altLang="en-US" smtClean="0"/>
               <a:pPr/>
-              <a:t>2019/3/16</a:t>
+              <a:t>2019/8/24</a:t>
             </a:fld>
             <a:endParaRPr lang="zh-TW" altLang="en-US"/>
           </a:p>
@@ -545,8 +545,8 @@
         </p:nvSpPr>
         <p:spPr>
           <a:xfrm>
-            <a:off x="6629400" y="274638"/>
-            <a:ext cx="2057400" cy="5851525"/>
+            <a:off x="6629400" y="205979"/>
+            <a:ext cx="2057400" cy="4388644"/>
           </a:xfrm>
         </p:spPr>
         <p:txBody>
@@ -573,8 +573,8 @@
         </p:nvSpPr>
         <p:spPr>
           <a:xfrm>
-            <a:off x="457200" y="274638"/>
-            <a:ext cx="6019800" cy="5851525"/>
+            <a:off x="457200" y="205979"/>
+            <a:ext cx="6019800" cy="4388644"/>
           </a:xfrm>
         </p:spPr>
         <p:txBody>
@@ -636,7 +636,7 @@
             <a:fld id="{1358C6C7-DC36-49BA-B09E-2C760A046223}" type="datetimeFigureOut">
               <a:rPr lang="zh-TW" altLang="en-US" smtClean="0"/>
               <a:pPr/>
-              <a:t>2019/3/16</a:t>
+              <a:t>2019/8/24</a:t>
             </a:fld>
             <a:endParaRPr lang="zh-TW" altLang="en-US"/>
           </a:p>
@@ -803,7 +803,7 @@
             <a:fld id="{1358C6C7-DC36-49BA-B09E-2C760A046223}" type="datetimeFigureOut">
               <a:rPr lang="zh-TW" altLang="en-US" smtClean="0"/>
               <a:pPr/>
-              <a:t>2019/3/16</a:t>
+              <a:t>2019/8/24</a:t>
             </a:fld>
             <a:endParaRPr lang="zh-TW" altLang="en-US"/>
           </a:p>
@@ -889,8 +889,8 @@
         </p:nvSpPr>
         <p:spPr>
           <a:xfrm>
-            <a:off x="722313" y="4406900"/>
-            <a:ext cx="7772400" cy="1362075"/>
+            <a:off x="722313" y="3305176"/>
+            <a:ext cx="7772400" cy="1021556"/>
           </a:xfrm>
         </p:spPr>
         <p:txBody>
@@ -921,8 +921,8 @@
         </p:nvSpPr>
         <p:spPr>
           <a:xfrm>
-            <a:off x="722313" y="2906713"/>
-            <a:ext cx="7772400" cy="1500187"/>
+            <a:off x="722313" y="2180035"/>
+            <a:ext cx="7772400" cy="1125140"/>
           </a:xfrm>
         </p:spPr>
         <p:txBody>
@@ -1046,7 +1046,7 @@
             <a:fld id="{1358C6C7-DC36-49BA-B09E-2C760A046223}" type="datetimeFigureOut">
               <a:rPr lang="zh-TW" altLang="en-US" smtClean="0"/>
               <a:pPr/>
-              <a:t>2019/3/16</a:t>
+              <a:t>2019/8/24</a:t>
             </a:fld>
             <a:endParaRPr lang="zh-TW" altLang="en-US"/>
           </a:p>
@@ -1155,8 +1155,8 @@
         </p:nvSpPr>
         <p:spPr>
           <a:xfrm>
-            <a:off x="457200" y="1600200"/>
-            <a:ext cx="4038600" cy="4525963"/>
+            <a:off x="457200" y="1200151"/>
+            <a:ext cx="4038600" cy="3394472"/>
           </a:xfrm>
         </p:spPr>
         <p:txBody>
@@ -1240,8 +1240,8 @@
         </p:nvSpPr>
         <p:spPr>
           <a:xfrm>
-            <a:off x="4648200" y="1600200"/>
-            <a:ext cx="4038600" cy="4525963"/>
+            <a:off x="4648200" y="1200151"/>
+            <a:ext cx="4038600" cy="3394472"/>
           </a:xfrm>
         </p:spPr>
         <p:txBody>
@@ -1331,7 +1331,7 @@
             <a:fld id="{1358C6C7-DC36-49BA-B09E-2C760A046223}" type="datetimeFigureOut">
               <a:rPr lang="zh-TW" altLang="en-US" smtClean="0"/>
               <a:pPr/>
-              <a:t>2019/3/16</a:t>
+              <a:t>2019/8/24</a:t>
             </a:fld>
             <a:endParaRPr lang="zh-TW" altLang="en-US"/>
           </a:p>
@@ -1444,8 +1444,8 @@
         </p:nvSpPr>
         <p:spPr>
           <a:xfrm>
-            <a:off x="457200" y="1535113"/>
-            <a:ext cx="4040188" cy="639762"/>
+            <a:off x="457200" y="1151335"/>
+            <a:ext cx="4040188" cy="479822"/>
           </a:xfrm>
         </p:spPr>
         <p:txBody>
@@ -1509,8 +1509,8 @@
         </p:nvSpPr>
         <p:spPr>
           <a:xfrm>
-            <a:off x="457200" y="2174875"/>
-            <a:ext cx="4040188" cy="3951288"/>
+            <a:off x="457200" y="1631156"/>
+            <a:ext cx="4040188" cy="2963466"/>
           </a:xfrm>
         </p:spPr>
         <p:txBody>
@@ -1594,8 +1594,8 @@
         </p:nvSpPr>
         <p:spPr>
           <a:xfrm>
-            <a:off x="4645025" y="1535113"/>
-            <a:ext cx="4041775" cy="639762"/>
+            <a:off x="4645026" y="1151335"/>
+            <a:ext cx="4041775" cy="479822"/>
           </a:xfrm>
         </p:spPr>
         <p:txBody>
@@ -1659,8 +1659,8 @@
         </p:nvSpPr>
         <p:spPr>
           <a:xfrm>
-            <a:off x="4645025" y="2174875"/>
-            <a:ext cx="4041775" cy="3951288"/>
+            <a:off x="4645026" y="1631156"/>
+            <a:ext cx="4041775" cy="2963466"/>
           </a:xfrm>
         </p:spPr>
         <p:txBody>
@@ -1750,7 +1750,7 @@
             <a:fld id="{1358C6C7-DC36-49BA-B09E-2C760A046223}" type="datetimeFigureOut">
               <a:rPr lang="zh-TW" altLang="en-US" smtClean="0"/>
               <a:pPr/>
-              <a:t>2019/3/16</a:t>
+              <a:t>2019/8/24</a:t>
             </a:fld>
             <a:endParaRPr lang="zh-TW" altLang="en-US"/>
           </a:p>
@@ -1865,7 +1865,7 @@
             <a:fld id="{1358C6C7-DC36-49BA-B09E-2C760A046223}" type="datetimeFigureOut">
               <a:rPr lang="zh-TW" altLang="en-US" smtClean="0"/>
               <a:pPr/>
-              <a:t>2019/3/16</a:t>
+              <a:t>2019/8/24</a:t>
             </a:fld>
             <a:endParaRPr lang="zh-TW" altLang="en-US"/>
           </a:p>
@@ -1957,7 +1957,7 @@
             <a:fld id="{1358C6C7-DC36-49BA-B09E-2C760A046223}" type="datetimeFigureOut">
               <a:rPr lang="zh-TW" altLang="en-US" smtClean="0"/>
               <a:pPr/>
-              <a:t>2019/3/16</a:t>
+              <a:t>2019/8/24</a:t>
             </a:fld>
             <a:endParaRPr lang="zh-TW" altLang="en-US"/>
           </a:p>
@@ -2043,8 +2043,8 @@
         </p:nvSpPr>
         <p:spPr>
           <a:xfrm>
-            <a:off x="457200" y="273050"/>
-            <a:ext cx="3008313" cy="1162050"/>
+            <a:off x="457201" y="204787"/>
+            <a:ext cx="3008313" cy="871538"/>
           </a:xfrm>
         </p:spPr>
         <p:txBody>
@@ -2075,8 +2075,8 @@
         </p:nvSpPr>
         <p:spPr>
           <a:xfrm>
-            <a:off x="3575050" y="273050"/>
-            <a:ext cx="5111750" cy="5853113"/>
+            <a:off x="3575050" y="204788"/>
+            <a:ext cx="5111750" cy="4389835"/>
           </a:xfrm>
         </p:spPr>
         <p:txBody>
@@ -2160,8 +2160,8 @@
         </p:nvSpPr>
         <p:spPr>
           <a:xfrm>
-            <a:off x="457200" y="1435100"/>
-            <a:ext cx="3008313" cy="4691063"/>
+            <a:off x="457201" y="1076326"/>
+            <a:ext cx="3008313" cy="3518297"/>
           </a:xfrm>
         </p:spPr>
         <p:txBody>
@@ -2231,7 +2231,7 @@
             <a:fld id="{1358C6C7-DC36-49BA-B09E-2C760A046223}" type="datetimeFigureOut">
               <a:rPr lang="zh-TW" altLang="en-US" smtClean="0"/>
               <a:pPr/>
-              <a:t>2019/3/16</a:t>
+              <a:t>2019/8/24</a:t>
             </a:fld>
             <a:endParaRPr lang="zh-TW" altLang="en-US"/>
           </a:p>
@@ -2317,8 +2317,8 @@
         </p:nvSpPr>
         <p:spPr>
           <a:xfrm>
-            <a:off x="1792288" y="4800600"/>
-            <a:ext cx="5486400" cy="566738"/>
+            <a:off x="1792288" y="3600450"/>
+            <a:ext cx="5486400" cy="425054"/>
           </a:xfrm>
         </p:spPr>
         <p:txBody>
@@ -2349,8 +2349,8 @@
         </p:nvSpPr>
         <p:spPr>
           <a:xfrm>
-            <a:off x="1792288" y="612775"/>
-            <a:ext cx="5486400" cy="4114800"/>
+            <a:off x="1792288" y="459581"/>
+            <a:ext cx="5486400" cy="3086100"/>
           </a:xfrm>
         </p:spPr>
         <p:txBody>
@@ -2414,8 +2414,8 @@
         </p:nvSpPr>
         <p:spPr>
           <a:xfrm>
-            <a:off x="1792288" y="5367338"/>
-            <a:ext cx="5486400" cy="804862"/>
+            <a:off x="1792288" y="4025503"/>
+            <a:ext cx="5486400" cy="603647"/>
           </a:xfrm>
         </p:spPr>
         <p:txBody>
@@ -2485,7 +2485,7 @@
             <a:fld id="{1358C6C7-DC36-49BA-B09E-2C760A046223}" type="datetimeFigureOut">
               <a:rPr lang="zh-TW" altLang="en-US" smtClean="0"/>
               <a:pPr/>
-              <a:t>2019/3/16</a:t>
+              <a:t>2019/8/24</a:t>
             </a:fld>
             <a:endParaRPr lang="zh-TW" altLang="en-US"/>
           </a:p>
@@ -2581,8 +2581,8 @@
         </p:nvSpPr>
         <p:spPr>
           <a:xfrm>
-            <a:off x="457200" y="274638"/>
-            <a:ext cx="8229600" cy="1143000"/>
+            <a:off x="457200" y="205979"/>
+            <a:ext cx="8229600" cy="857250"/>
           </a:xfrm>
           <a:prstGeom prst="rect">
             <a:avLst/>
@@ -2614,8 +2614,8 @@
         </p:nvSpPr>
         <p:spPr>
           <a:xfrm>
-            <a:off x="457200" y="1600200"/>
-            <a:ext cx="8229600" cy="4525963"/>
+            <a:off x="457200" y="1200151"/>
+            <a:ext cx="8229600" cy="3394472"/>
           </a:xfrm>
           <a:prstGeom prst="rect">
             <a:avLst/>
@@ -2676,8 +2676,8 @@
         </p:nvSpPr>
         <p:spPr>
           <a:xfrm>
-            <a:off x="457200" y="6356350"/>
-            <a:ext cx="2133600" cy="365125"/>
+            <a:off x="457200" y="4767263"/>
+            <a:ext cx="2133600" cy="273844"/>
           </a:xfrm>
           <a:prstGeom prst="rect">
             <a:avLst/>
@@ -2700,7 +2700,7 @@
             <a:fld id="{1358C6C7-DC36-49BA-B09E-2C760A046223}" type="datetimeFigureOut">
               <a:rPr lang="zh-TW" altLang="en-US" smtClean="0"/>
               <a:pPr/>
-              <a:t>2019/3/16</a:t>
+              <a:t>2019/8/24</a:t>
             </a:fld>
             <a:endParaRPr lang="zh-TW" altLang="en-US"/>
           </a:p>
@@ -2718,8 +2718,8 @@
         </p:nvSpPr>
         <p:spPr>
           <a:xfrm>
-            <a:off x="3124200" y="6356350"/>
-            <a:ext cx="2895600" cy="365125"/>
+            <a:off x="3124200" y="4767263"/>
+            <a:ext cx="2895600" cy="273844"/>
           </a:xfrm>
           <a:prstGeom prst="rect">
             <a:avLst/>
@@ -2755,8 +2755,8 @@
         </p:nvSpPr>
         <p:spPr>
           <a:xfrm>
-            <a:off x="6553200" y="6356350"/>
-            <a:ext cx="2133600" cy="365125"/>
+            <a:off x="6553200" y="4767263"/>
+            <a:ext cx="2133600" cy="273844"/>
           </a:xfrm>
           <a:prstGeom prst="rect">
             <a:avLst/>
@@ -3083,11 +3083,13 @@
         </p:nvSpPr>
         <p:spPr/>
         <p:txBody>
-          <a:bodyPr/>
-          <a:lstStyle/>
-          <a:p>
-            <a:r>
-              <a:rPr lang="zh-TW" altLang="en-US" b="1" dirty="0" smtClean="0">
+          <a:bodyPr>
+            <a:normAutofit/>
+          </a:bodyPr>
+          <a:lstStyle/>
+          <a:p>
+            <a:r>
+              <a:rPr lang="zh-TW" altLang="en-US" sz="4000" b="1" dirty="0" smtClean="0">
                 <a:solidFill>
                   <a:srgbClr val="660033"/>
                 </a:solidFill>
@@ -3096,7 +3098,7 @@
               </a:rPr>
               <a:t>我心切切渴慕你</a:t>
             </a:r>
-            <a:endParaRPr lang="zh-TW" altLang="en-US" b="1" dirty="0">
+            <a:endParaRPr lang="zh-TW" altLang="en-US" sz="4000" b="1" dirty="0">
               <a:solidFill>
                 <a:srgbClr val="660033"/>
               </a:solidFill>
@@ -3127,7 +3129,7 @@
               <a:buNone/>
             </a:pPr>
             <a:r>
-              <a:rPr lang="zh-TW" altLang="en-US" sz="5400" b="1" dirty="0">
+              <a:rPr lang="zh-TW" altLang="en-US" sz="4800" b="1" dirty="0">
                 <a:solidFill>
                   <a:srgbClr val="660033"/>
                 </a:solidFill>
@@ -3137,7 +3139,7 @@
               <a:t>我心切切渴慕</a:t>
             </a:r>
             <a:r>
-              <a:rPr lang="zh-TW" altLang="en-US" sz="5400" b="1" dirty="0" smtClean="0">
+              <a:rPr lang="zh-TW" altLang="en-US" sz="4800" b="1" dirty="0" smtClean="0">
                 <a:solidFill>
                   <a:srgbClr val="660033"/>
                 </a:solidFill>
@@ -3146,7 +3148,7 @@
               </a:rPr>
               <a:t>你</a:t>
             </a:r>
-            <a:endParaRPr lang="en-US" altLang="zh-TW" sz="5400" b="1" dirty="0" smtClean="0">
+            <a:endParaRPr lang="en-US" altLang="zh-TW" sz="4800" b="1" dirty="0" smtClean="0">
               <a:solidFill>
                 <a:srgbClr val="660033"/>
               </a:solidFill>
@@ -3159,7 +3161,7 @@
               <a:buNone/>
             </a:pPr>
             <a:r>
-              <a:rPr lang="zh-TW" altLang="en-US" sz="5400" b="1" dirty="0" smtClean="0">
+              <a:rPr lang="zh-TW" altLang="en-US" sz="4800" b="1" dirty="0" smtClean="0">
                 <a:solidFill>
                   <a:srgbClr val="660033"/>
                 </a:solidFill>
@@ -3169,7 +3171,7 @@
               <a:t>乾旱</a:t>
             </a:r>
             <a:r>
-              <a:rPr lang="zh-TW" altLang="en-US" sz="5400" b="1" dirty="0">
+              <a:rPr lang="zh-TW" altLang="en-US" sz="4800" b="1" dirty="0">
                 <a:solidFill>
                   <a:srgbClr val="660033"/>
                 </a:solidFill>
@@ -3179,7 +3181,7 @@
               <a:t>疲乏無水之</a:t>
             </a:r>
             <a:r>
-              <a:rPr lang="zh-TW" altLang="en-US" sz="5400" b="1" dirty="0" smtClean="0">
+              <a:rPr lang="zh-TW" altLang="en-US" sz="4800" b="1" dirty="0" smtClean="0">
                 <a:solidFill>
                   <a:srgbClr val="660033"/>
                 </a:solidFill>
@@ -3188,7 +3190,7 @@
               </a:rPr>
               <a:t>地</a:t>
             </a:r>
-            <a:endParaRPr lang="en-US" altLang="zh-TW" sz="5400" b="1" dirty="0">
+            <a:endParaRPr lang="en-US" altLang="zh-TW" sz="4800" b="1" dirty="0">
               <a:solidFill>
                 <a:srgbClr val="660033"/>
               </a:solidFill>
@@ -3201,7 +3203,7 @@
               <a:buNone/>
             </a:pPr>
             <a:r>
-              <a:rPr lang="zh-TW" altLang="en-US" sz="5400" b="1" dirty="0" smtClean="0">
+              <a:rPr lang="zh-TW" altLang="en-US" sz="4800" b="1" dirty="0" smtClean="0">
                 <a:solidFill>
                   <a:srgbClr val="660033"/>
                 </a:solidFill>
@@ -3211,7 +3213,7 @@
               <a:t>你</a:t>
             </a:r>
             <a:r>
-              <a:rPr lang="zh-TW" altLang="en-US" sz="5400" b="1" dirty="0">
+              <a:rPr lang="zh-TW" altLang="en-US" sz="4800" b="1" dirty="0">
                 <a:solidFill>
                   <a:srgbClr val="660033"/>
                 </a:solidFill>
@@ -3221,16 +3223,76 @@
               <a:t>是我</a:t>
             </a:r>
             <a:r>
-              <a:rPr lang="zh-TW" altLang="en-US" sz="5400" b="1" dirty="0" smtClean="0">
-                <a:solidFill>
-                  <a:srgbClr val="660033"/>
-                </a:solidFill>
-                <a:latin typeface="微軟正黑體" pitchFamily="34" charset="-120"/>
-                <a:ea typeface="微軟正黑體" pitchFamily="34" charset="-120"/>
-              </a:rPr>
-              <a:t>一切</a:t>
-            </a:r>
-            <a:endParaRPr lang="en-US" altLang="zh-TW" sz="5400" b="1" dirty="0" smtClean="0">
+              <a:rPr lang="zh-TW" altLang="en-US" sz="4800" b="1" dirty="0" smtClean="0">
+                <a:solidFill>
+                  <a:srgbClr val="660033"/>
+                </a:solidFill>
+                <a:latin typeface="微軟正黑體" pitchFamily="34" charset="-120"/>
+                <a:ea typeface="微軟正黑體" pitchFamily="34" charset="-120"/>
+              </a:rPr>
+              <a:t>一</a:t>
+            </a:r>
+            <a:r>
+              <a:rPr lang="zh-TW" altLang="en-US" sz="4800" b="1" dirty="0" smtClean="0">
+                <a:solidFill>
+                  <a:srgbClr val="660033"/>
+                </a:solidFill>
+                <a:latin typeface="微軟正黑體" pitchFamily="34" charset="-120"/>
+                <a:ea typeface="微軟正黑體" pitchFamily="34" charset="-120"/>
+              </a:rPr>
+              <a:t>切</a:t>
+            </a:r>
+            <a:r>
+              <a:rPr lang="en-US" altLang="zh-TW" sz="4800" b="1" dirty="0">
+                <a:solidFill>
+                  <a:srgbClr val="660033"/>
+                </a:solidFill>
+                <a:latin typeface="微軟正黑體" pitchFamily="34" charset="-120"/>
+                <a:ea typeface="微軟正黑體" pitchFamily="34" charset="-120"/>
+              </a:rPr>
+              <a:t> </a:t>
+            </a:r>
+            <a:r>
+              <a:rPr lang="en-US" altLang="zh-TW" sz="4800" b="1" dirty="0" smtClean="0">
+                <a:solidFill>
+                  <a:srgbClr val="660033"/>
+                </a:solidFill>
+                <a:latin typeface="微軟正黑體" pitchFamily="34" charset="-120"/>
+                <a:ea typeface="微軟正黑體" pitchFamily="34" charset="-120"/>
+              </a:rPr>
+              <a:t> </a:t>
+            </a:r>
+            <a:r>
+              <a:rPr lang="zh-TW" altLang="en-US" sz="4800" b="1" dirty="0" smtClean="0">
+                <a:solidFill>
+                  <a:srgbClr val="660033"/>
+                </a:solidFill>
+                <a:latin typeface="微軟正黑體" pitchFamily="34" charset="-120"/>
+                <a:ea typeface="微軟正黑體" pitchFamily="34" charset="-120"/>
+              </a:rPr>
+              <a:t>我</a:t>
+            </a:r>
+            <a:r>
+              <a:rPr lang="zh-TW" altLang="en-US" sz="4800" b="1" dirty="0">
+                <a:solidFill>
+                  <a:srgbClr val="660033"/>
+                </a:solidFill>
+                <a:latin typeface="微軟正黑體" pitchFamily="34" charset="-120"/>
+                <a:ea typeface="微軟正黑體" pitchFamily="34" charset="-120"/>
+              </a:rPr>
+              <a:t>心完全屬於</a:t>
+            </a:r>
+            <a:r>
+              <a:rPr lang="zh-TW" altLang="en-US" sz="4800" b="1" dirty="0" smtClean="0">
+                <a:solidFill>
+                  <a:srgbClr val="660033"/>
+                </a:solidFill>
+                <a:latin typeface="微軟正黑體" pitchFamily="34" charset="-120"/>
+                <a:ea typeface="微軟正黑體" pitchFamily="34" charset="-120"/>
+              </a:rPr>
+              <a:t>你</a:t>
+            </a:r>
+            <a:endParaRPr lang="en-US" altLang="zh-TW" sz="4800" b="1" dirty="0" smtClean="0">
               <a:solidFill>
                 <a:srgbClr val="660033"/>
               </a:solidFill>
@@ -3243,49 +3305,7 @@
               <a:buNone/>
             </a:pPr>
             <a:r>
-              <a:rPr lang="zh-TW" altLang="en-US" sz="5400" b="1" dirty="0" smtClean="0">
-                <a:solidFill>
-                  <a:srgbClr val="660033"/>
-                </a:solidFill>
-                <a:latin typeface="微軟正黑體" pitchFamily="34" charset="-120"/>
-                <a:ea typeface="微軟正黑體" pitchFamily="34" charset="-120"/>
-              </a:rPr>
-              <a:t>我</a:t>
-            </a:r>
-            <a:r>
-              <a:rPr lang="zh-TW" altLang="en-US" sz="5400" b="1" dirty="0">
-                <a:solidFill>
-                  <a:srgbClr val="660033"/>
-                </a:solidFill>
-                <a:latin typeface="微軟正黑體" pitchFamily="34" charset="-120"/>
-                <a:ea typeface="微軟正黑體" pitchFamily="34" charset="-120"/>
-              </a:rPr>
-              <a:t>心完全屬於</a:t>
-            </a:r>
-            <a:r>
-              <a:rPr lang="zh-TW" altLang="en-US" sz="5400" b="1" dirty="0" smtClean="0">
-                <a:solidFill>
-                  <a:srgbClr val="660033"/>
-                </a:solidFill>
-                <a:latin typeface="微軟正黑體" pitchFamily="34" charset="-120"/>
-                <a:ea typeface="微軟正黑體" pitchFamily="34" charset="-120"/>
-              </a:rPr>
-              <a:t>你</a:t>
-            </a:r>
-            <a:endParaRPr lang="en-US" altLang="zh-TW" sz="5400" b="1" dirty="0" smtClean="0">
-              <a:solidFill>
-                <a:srgbClr val="660033"/>
-              </a:solidFill>
-              <a:latin typeface="微軟正黑體" pitchFamily="34" charset="-120"/>
-              <a:ea typeface="微軟正黑體" pitchFamily="34" charset="-120"/>
-            </a:endParaRPr>
-          </a:p>
-          <a:p>
-            <a:pPr algn="ctr">
-              <a:buNone/>
-            </a:pPr>
-            <a:r>
-              <a:rPr lang="zh-TW" altLang="en-US" sz="5400" b="1" dirty="0" smtClean="0">
+              <a:rPr lang="zh-TW" altLang="en-US" sz="4800" b="1" dirty="0" smtClean="0">
                 <a:solidFill>
                   <a:srgbClr val="660033"/>
                 </a:solidFill>
@@ -3295,7 +3315,7 @@
               <a:t>只</a:t>
             </a:r>
             <a:r>
-              <a:rPr lang="zh-TW" altLang="en-US" sz="5400" b="1" dirty="0">
+              <a:rPr lang="zh-TW" altLang="en-US" sz="4800" b="1" dirty="0">
                 <a:solidFill>
                   <a:srgbClr val="660033"/>
                 </a:solidFill>
@@ -3344,11 +3364,13 @@
         </p:nvSpPr>
         <p:spPr/>
         <p:txBody>
-          <a:bodyPr/>
-          <a:lstStyle/>
-          <a:p>
-            <a:r>
-              <a:rPr lang="zh-TW" altLang="en-US" b="1" dirty="0" smtClean="0">
+          <a:bodyPr>
+            <a:normAutofit/>
+          </a:bodyPr>
+          <a:lstStyle/>
+          <a:p>
+            <a:r>
+              <a:rPr lang="zh-TW" altLang="en-US" sz="4000" b="1" dirty="0">
                 <a:solidFill>
                   <a:srgbClr val="660033"/>
                 </a:solidFill>
@@ -3357,7 +3379,7 @@
               </a:rPr>
               <a:t>我心切切渴慕你</a:t>
             </a:r>
-            <a:endParaRPr lang="zh-TW" altLang="en-US" b="1" dirty="0">
+            <a:endParaRPr lang="zh-TW" altLang="en-US" sz="4000" b="1" dirty="0">
               <a:solidFill>
                 <a:srgbClr val="660033"/>
               </a:solidFill>
@@ -3388,7 +3410,7 @@
               <a:buNone/>
             </a:pPr>
             <a:r>
-              <a:rPr lang="zh-TW" altLang="en-US" sz="5400" b="1" dirty="0">
+              <a:rPr lang="zh-TW" altLang="en-US" sz="4800" b="1" dirty="0">
                 <a:solidFill>
                   <a:srgbClr val="660033"/>
                 </a:solidFill>
@@ -3398,7 +3420,7 @@
               <a:t>我要切切尋求</a:t>
             </a:r>
             <a:r>
-              <a:rPr lang="zh-TW" altLang="en-US" sz="5400" b="1" dirty="0" smtClean="0">
+              <a:rPr lang="zh-TW" altLang="en-US" sz="4800" b="1" dirty="0">
                 <a:solidFill>
                   <a:srgbClr val="660033"/>
                 </a:solidFill>
@@ -3407,7 +3429,7 @@
               </a:rPr>
               <a:t>你</a:t>
             </a:r>
-            <a:endParaRPr lang="en-US" altLang="zh-TW" sz="5400" b="1" dirty="0" smtClean="0">
+            <a:endParaRPr lang="en-US" altLang="zh-TW" sz="4800" b="1" dirty="0">
               <a:solidFill>
                 <a:srgbClr val="660033"/>
               </a:solidFill>
@@ -3420,7 +3442,7 @@
               <a:buNone/>
             </a:pPr>
             <a:r>
-              <a:rPr lang="zh-TW" altLang="en-US" sz="5400" b="1" dirty="0" smtClean="0">
+              <a:rPr lang="zh-TW" altLang="en-US" sz="4800" b="1" dirty="0">
                 <a:solidFill>
                   <a:srgbClr val="660033"/>
                 </a:solidFill>
@@ -3430,7 +3452,7 @@
               <a:t>乾旱</a:t>
             </a:r>
             <a:r>
-              <a:rPr lang="zh-TW" altLang="en-US" sz="5400" b="1" dirty="0">
+              <a:rPr lang="zh-TW" altLang="en-US" sz="4800" b="1" dirty="0">
                 <a:solidFill>
                   <a:srgbClr val="660033"/>
                 </a:solidFill>
@@ -3440,7 +3462,7 @@
               <a:t>疲乏無水之</a:t>
             </a:r>
             <a:r>
-              <a:rPr lang="zh-TW" altLang="en-US" sz="5400" b="1" dirty="0" smtClean="0">
+              <a:rPr lang="zh-TW" altLang="en-US" sz="4800" b="1" dirty="0">
                 <a:solidFill>
                   <a:srgbClr val="660033"/>
                 </a:solidFill>
@@ -3449,7 +3471,7 @@
               </a:rPr>
               <a:t>地</a:t>
             </a:r>
-            <a:endParaRPr lang="en-US" altLang="zh-TW" sz="5400" b="1" dirty="0">
+            <a:endParaRPr lang="en-US" altLang="zh-TW" sz="4800" b="1" dirty="0">
               <a:solidFill>
                 <a:srgbClr val="660033"/>
               </a:solidFill>
@@ -3462,7 +3484,7 @@
               <a:buNone/>
             </a:pPr>
             <a:r>
-              <a:rPr lang="zh-TW" altLang="en-US" sz="5400" b="1" dirty="0" smtClean="0">
+              <a:rPr lang="zh-TW" altLang="en-US" sz="4800" b="1" dirty="0">
                 <a:solidFill>
                   <a:srgbClr val="660033"/>
                 </a:solidFill>
@@ -3472,7 +3494,7 @@
               <a:t>你</a:t>
             </a:r>
             <a:r>
-              <a:rPr lang="zh-TW" altLang="en-US" sz="5400" b="1" dirty="0">
+              <a:rPr lang="zh-TW" altLang="en-US" sz="4800" b="1" dirty="0">
                 <a:solidFill>
                   <a:srgbClr val="660033"/>
                 </a:solidFill>
@@ -3482,16 +3504,66 @@
               <a:t>是我</a:t>
             </a:r>
             <a:r>
-              <a:rPr lang="zh-TW" altLang="en-US" sz="5400" b="1" dirty="0" smtClean="0">
-                <a:solidFill>
-                  <a:srgbClr val="660033"/>
-                </a:solidFill>
-                <a:latin typeface="微軟正黑體" pitchFamily="34" charset="-120"/>
-                <a:ea typeface="微軟正黑體" pitchFamily="34" charset="-120"/>
-              </a:rPr>
-              <a:t>一切</a:t>
-            </a:r>
-            <a:endParaRPr lang="en-US" altLang="zh-TW" sz="5400" b="1" dirty="0" smtClean="0">
+              <a:rPr lang="zh-TW" altLang="en-US" sz="4800" b="1" dirty="0">
+                <a:solidFill>
+                  <a:srgbClr val="660033"/>
+                </a:solidFill>
+                <a:latin typeface="微軟正黑體" pitchFamily="34" charset="-120"/>
+                <a:ea typeface="微軟正黑體" pitchFamily="34" charset="-120"/>
+              </a:rPr>
+              <a:t>一</a:t>
+            </a:r>
+            <a:r>
+              <a:rPr lang="zh-TW" altLang="en-US" sz="4800" b="1" dirty="0" smtClean="0">
+                <a:solidFill>
+                  <a:srgbClr val="660033"/>
+                </a:solidFill>
+                <a:latin typeface="微軟正黑體" pitchFamily="34" charset="-120"/>
+                <a:ea typeface="微軟正黑體" pitchFamily="34" charset="-120"/>
+              </a:rPr>
+              <a:t>切</a:t>
+            </a:r>
+            <a:r>
+              <a:rPr lang="en-US" altLang="zh-TW" sz="4800" b="1" dirty="0" smtClean="0">
+                <a:solidFill>
+                  <a:srgbClr val="660033"/>
+                </a:solidFill>
+                <a:latin typeface="微軟正黑體" pitchFamily="34" charset="-120"/>
+                <a:ea typeface="微軟正黑體" pitchFamily="34" charset="-120"/>
+              </a:rPr>
+              <a:t>  </a:t>
+            </a:r>
+            <a:r>
+              <a:rPr lang="zh-TW" altLang="en-US" sz="4800" b="1" dirty="0" smtClean="0">
+                <a:solidFill>
+                  <a:srgbClr val="660033"/>
+                </a:solidFill>
+                <a:latin typeface="微軟正黑體" pitchFamily="34" charset="-120"/>
+                <a:ea typeface="微軟正黑體" pitchFamily="34" charset="-120"/>
+              </a:rPr>
+              <a:t>我</a:t>
+            </a:r>
+            <a:r>
+              <a:rPr lang="zh-TW" altLang="en-US" sz="4800" b="1" dirty="0">
+                <a:solidFill>
+                  <a:srgbClr val="660033"/>
+                </a:solidFill>
+                <a:latin typeface="微軟正黑體" pitchFamily="34" charset="-120"/>
+                <a:ea typeface="微軟正黑體" pitchFamily="34" charset="-120"/>
+              </a:rPr>
+              <a:t>心不住思念</a:t>
+            </a:r>
+            <a:r>
+              <a:rPr lang="zh-TW" altLang="en-US" sz="4800" b="1" dirty="0">
+                <a:solidFill>
+                  <a:srgbClr val="660033"/>
+                </a:solidFill>
+                <a:latin typeface="微軟正黑體" pitchFamily="34" charset="-120"/>
+                <a:ea typeface="微軟正黑體" pitchFamily="34" charset="-120"/>
+              </a:rPr>
+              <a:t>你</a:t>
+            </a:r>
+            <a:endParaRPr lang="en-US" altLang="zh-TW" sz="4800" b="1" dirty="0">
               <a:solidFill>
                 <a:srgbClr val="660033"/>
               </a:solidFill>
@@ -3504,49 +3576,7 @@
               <a:buNone/>
             </a:pPr>
             <a:r>
-              <a:rPr lang="zh-TW" altLang="en-US" sz="5400" b="1" dirty="0" smtClean="0">
-                <a:solidFill>
-                  <a:srgbClr val="660033"/>
-                </a:solidFill>
-                <a:latin typeface="微軟正黑體" pitchFamily="34" charset="-120"/>
-                <a:ea typeface="微軟正黑體" pitchFamily="34" charset="-120"/>
-              </a:rPr>
-              <a:t>我</a:t>
-            </a:r>
-            <a:r>
-              <a:rPr lang="zh-TW" altLang="en-US" sz="5400" b="1" dirty="0">
-                <a:solidFill>
-                  <a:srgbClr val="660033"/>
-                </a:solidFill>
-                <a:latin typeface="微軟正黑體" pitchFamily="34" charset="-120"/>
-                <a:ea typeface="微軟正黑體" pitchFamily="34" charset="-120"/>
-              </a:rPr>
-              <a:t>心不住思念</a:t>
-            </a:r>
-            <a:r>
-              <a:rPr lang="zh-TW" altLang="en-US" sz="5400" b="1" dirty="0" smtClean="0">
-                <a:solidFill>
-                  <a:srgbClr val="660033"/>
-                </a:solidFill>
-                <a:latin typeface="微軟正黑體" pitchFamily="34" charset="-120"/>
-                <a:ea typeface="微軟正黑體" pitchFamily="34" charset="-120"/>
-              </a:rPr>
-              <a:t>你</a:t>
-            </a:r>
-            <a:endParaRPr lang="en-US" altLang="zh-TW" sz="5400" b="1" dirty="0" smtClean="0">
-              <a:solidFill>
-                <a:srgbClr val="660033"/>
-              </a:solidFill>
-              <a:latin typeface="微軟正黑體" pitchFamily="34" charset="-120"/>
-              <a:ea typeface="微軟正黑體" pitchFamily="34" charset="-120"/>
-            </a:endParaRPr>
-          </a:p>
-          <a:p>
-            <a:pPr algn="ctr">
-              <a:buNone/>
-            </a:pPr>
-            <a:r>
-              <a:rPr lang="zh-TW" altLang="en-US" sz="5400" b="1" dirty="0" smtClean="0">
+              <a:rPr lang="zh-TW" altLang="en-US" sz="4800" b="1" dirty="0">
                 <a:solidFill>
                   <a:srgbClr val="660033"/>
                 </a:solidFill>
@@ -3556,7 +3586,7 @@
               <a:t>只</a:t>
             </a:r>
             <a:r>
-              <a:rPr lang="zh-TW" altLang="en-US" sz="5400" b="1" dirty="0">
+              <a:rPr lang="zh-TW" altLang="en-US" sz="4800" b="1" dirty="0">
                 <a:solidFill>
                   <a:srgbClr val="660033"/>
                 </a:solidFill>
@@ -3566,7 +3596,7 @@
               <a:t>願與你</a:t>
             </a:r>
             <a:r>
-              <a:rPr lang="zh-TW" altLang="en-US" sz="5400" b="1" dirty="0" smtClean="0">
+              <a:rPr lang="zh-TW" altLang="en-US" sz="4800" b="1" dirty="0">
                 <a:solidFill>
                   <a:srgbClr val="660033"/>
                 </a:solidFill>
@@ -3575,7 +3605,7 @@
               </a:rPr>
               <a:t>面對面</a:t>
             </a:r>
-            <a:endParaRPr lang="zh-TW" altLang="en-US" sz="5400" b="1" dirty="0">
+            <a:endParaRPr lang="zh-TW" altLang="en-US" sz="4800" b="1" dirty="0">
               <a:solidFill>
                 <a:srgbClr val="660033"/>
               </a:solidFill>
@@ -3622,11 +3652,13 @@
         </p:nvSpPr>
         <p:spPr/>
         <p:txBody>
-          <a:bodyPr/>
-          <a:lstStyle/>
-          <a:p>
-            <a:r>
-              <a:rPr lang="zh-TW" altLang="en-US" b="1" dirty="0" smtClean="0">
+          <a:bodyPr>
+            <a:normAutofit/>
+          </a:bodyPr>
+          <a:lstStyle/>
+          <a:p>
+            <a:r>
+              <a:rPr lang="zh-TW" altLang="en-US" sz="4000" b="1" dirty="0">
                 <a:solidFill>
                   <a:srgbClr val="660033"/>
                 </a:solidFill>
@@ -3635,7 +3667,7 @@
               </a:rPr>
               <a:t>我心切切渴慕你</a:t>
             </a:r>
-            <a:endParaRPr lang="zh-TW" altLang="en-US" b="1" dirty="0">
+            <a:endParaRPr lang="zh-TW" altLang="en-US" sz="4000" b="1" dirty="0">
               <a:solidFill>
                 <a:srgbClr val="660033"/>
               </a:solidFill>
@@ -3666,7 +3698,7 @@
               <a:buNone/>
             </a:pPr>
             <a:r>
-              <a:rPr lang="zh-TW" altLang="en-US" sz="5400" b="1" dirty="0">
+              <a:rPr lang="zh-TW" altLang="en-US" sz="4800" b="1" dirty="0">
                 <a:solidFill>
                   <a:srgbClr val="660033"/>
                 </a:solidFill>
@@ -3676,7 +3708,7 @@
               <a:t>我要永永遠遠來愛</a:t>
             </a:r>
             <a:r>
-              <a:rPr lang="zh-TW" altLang="en-US" sz="5400" b="1" dirty="0" smtClean="0">
+              <a:rPr lang="zh-TW" altLang="en-US" sz="4800" b="1" dirty="0">
                 <a:solidFill>
                   <a:srgbClr val="660033"/>
                 </a:solidFill>
@@ -3685,7 +3717,7 @@
               </a:rPr>
               <a:t>你</a:t>
             </a:r>
-            <a:endParaRPr lang="en-US" altLang="zh-TW" sz="5400" b="1" dirty="0" smtClean="0">
+            <a:endParaRPr lang="en-US" altLang="zh-TW" sz="4800" b="1" dirty="0">
               <a:solidFill>
                 <a:srgbClr val="660033"/>
               </a:solidFill>
@@ -3698,7 +3730,7 @@
               <a:buNone/>
             </a:pPr>
             <a:r>
-              <a:rPr lang="zh-TW" altLang="en-US" sz="5400" b="1" dirty="0" smtClean="0">
+              <a:rPr lang="zh-TW" altLang="en-US" sz="4800" b="1" dirty="0">
                 <a:solidFill>
                   <a:srgbClr val="660033"/>
                 </a:solidFill>
@@ -3708,7 +3740,7 @@
               <a:t>我</a:t>
             </a:r>
             <a:r>
-              <a:rPr lang="zh-TW" altLang="en-US" sz="5400" b="1" dirty="0">
+              <a:rPr lang="zh-TW" altLang="en-US" sz="4800" b="1" dirty="0">
                 <a:solidFill>
                   <a:srgbClr val="660033"/>
                 </a:solidFill>
@@ -3718,7 +3750,7 @@
               <a:t>要永永遠遠渴慕</a:t>
             </a:r>
             <a:r>
-              <a:rPr lang="zh-TW" altLang="en-US" sz="5400" b="1" dirty="0" smtClean="0">
+              <a:rPr lang="zh-TW" altLang="en-US" sz="4800" b="1" dirty="0">
                 <a:solidFill>
                   <a:srgbClr val="660033"/>
                 </a:solidFill>
@@ -3727,7 +3759,7 @@
               </a:rPr>
               <a:t>你</a:t>
             </a:r>
-            <a:endParaRPr lang="en-US" altLang="zh-TW" sz="5400" b="1" dirty="0">
+            <a:endParaRPr lang="en-US" altLang="zh-TW" sz="4800" b="1" dirty="0">
               <a:solidFill>
                 <a:srgbClr val="660033"/>
               </a:solidFill>
@@ -3740,7 +3772,7 @@
               <a:buNone/>
             </a:pPr>
             <a:r>
-              <a:rPr lang="zh-TW" altLang="en-US" sz="5400" b="1" dirty="0" smtClean="0">
+              <a:rPr lang="zh-TW" altLang="en-US" sz="4800" b="1" dirty="0">
                 <a:solidFill>
                   <a:srgbClr val="660033"/>
                 </a:solidFill>
@@ -3750,7 +3782,7 @@
               <a:t>你</a:t>
             </a:r>
             <a:r>
-              <a:rPr lang="zh-TW" altLang="en-US" sz="5400" b="1" dirty="0">
+              <a:rPr lang="zh-TW" altLang="en-US" sz="4800" b="1" dirty="0">
                 <a:solidFill>
                   <a:srgbClr val="660033"/>
                 </a:solidFill>
@@ -3760,16 +3792,66 @@
               <a:t>是我</a:t>
             </a:r>
             <a:r>
-              <a:rPr lang="zh-TW" altLang="en-US" sz="5400" b="1" dirty="0" smtClean="0">
-                <a:solidFill>
-                  <a:srgbClr val="660033"/>
-                </a:solidFill>
-                <a:latin typeface="微軟正黑體" pitchFamily="34" charset="-120"/>
-                <a:ea typeface="微軟正黑體" pitchFamily="34" charset="-120"/>
-              </a:rPr>
-              <a:t>一切</a:t>
-            </a:r>
-            <a:endParaRPr lang="en-US" altLang="zh-TW" sz="5400" b="1" dirty="0" smtClean="0">
+              <a:rPr lang="zh-TW" altLang="en-US" sz="4800" b="1" dirty="0">
+                <a:solidFill>
+                  <a:srgbClr val="660033"/>
+                </a:solidFill>
+                <a:latin typeface="微軟正黑體" pitchFamily="34" charset="-120"/>
+                <a:ea typeface="微軟正黑體" pitchFamily="34" charset="-120"/>
+              </a:rPr>
+              <a:t>一</a:t>
+            </a:r>
+            <a:r>
+              <a:rPr lang="zh-TW" altLang="en-US" sz="4800" b="1" dirty="0" smtClean="0">
+                <a:solidFill>
+                  <a:srgbClr val="660033"/>
+                </a:solidFill>
+                <a:latin typeface="微軟正黑體" pitchFamily="34" charset="-120"/>
+                <a:ea typeface="微軟正黑體" pitchFamily="34" charset="-120"/>
+              </a:rPr>
+              <a:t>切</a:t>
+            </a:r>
+            <a:r>
+              <a:rPr lang="en-US" altLang="zh-TW" sz="4800" b="1" dirty="0" smtClean="0">
+                <a:solidFill>
+                  <a:srgbClr val="660033"/>
+                </a:solidFill>
+                <a:latin typeface="微軟正黑體" pitchFamily="34" charset="-120"/>
+                <a:ea typeface="微軟正黑體" pitchFamily="34" charset="-120"/>
+              </a:rPr>
+              <a:t>  </a:t>
+            </a:r>
+            <a:r>
+              <a:rPr lang="zh-TW" altLang="en-US" sz="4800" b="1" dirty="0" smtClean="0">
+                <a:solidFill>
+                  <a:srgbClr val="660033"/>
+                </a:solidFill>
+                <a:latin typeface="微軟正黑體" pitchFamily="34" charset="-120"/>
+                <a:ea typeface="微軟正黑體" pitchFamily="34" charset="-120"/>
+              </a:rPr>
+              <a:t>我</a:t>
+            </a:r>
+            <a:r>
+              <a:rPr lang="zh-TW" altLang="en-US" sz="4800" b="1" dirty="0">
+                <a:solidFill>
+                  <a:srgbClr val="660033"/>
+                </a:solidFill>
+                <a:latin typeface="微軟正黑體" pitchFamily="34" charset="-120"/>
+                <a:ea typeface="微軟正黑體" pitchFamily="34" charset="-120"/>
+              </a:rPr>
+              <a:t>心不住思念</a:t>
+            </a:r>
+            <a:r>
+              <a:rPr lang="zh-TW" altLang="en-US" sz="4800" b="1" dirty="0">
+                <a:solidFill>
+                  <a:srgbClr val="660033"/>
+                </a:solidFill>
+                <a:latin typeface="微軟正黑體" pitchFamily="34" charset="-120"/>
+                <a:ea typeface="微軟正黑體" pitchFamily="34" charset="-120"/>
+              </a:rPr>
+              <a:t>你</a:t>
+            </a:r>
+            <a:endParaRPr lang="en-US" altLang="zh-TW" sz="4800" b="1" dirty="0">
               <a:solidFill>
                 <a:srgbClr val="660033"/>
               </a:solidFill>
@@ -3782,49 +3864,7 @@
               <a:buNone/>
             </a:pPr>
             <a:r>
-              <a:rPr lang="zh-TW" altLang="en-US" sz="5400" b="1" dirty="0" smtClean="0">
-                <a:solidFill>
-                  <a:srgbClr val="660033"/>
-                </a:solidFill>
-                <a:latin typeface="微軟正黑體" pitchFamily="34" charset="-120"/>
-                <a:ea typeface="微軟正黑體" pitchFamily="34" charset="-120"/>
-              </a:rPr>
-              <a:t>我</a:t>
-            </a:r>
-            <a:r>
-              <a:rPr lang="zh-TW" altLang="en-US" sz="5400" b="1" dirty="0">
-                <a:solidFill>
-                  <a:srgbClr val="660033"/>
-                </a:solidFill>
-                <a:latin typeface="微軟正黑體" pitchFamily="34" charset="-120"/>
-                <a:ea typeface="微軟正黑體" pitchFamily="34" charset="-120"/>
-              </a:rPr>
-              <a:t>心不住思念</a:t>
-            </a:r>
-            <a:r>
-              <a:rPr lang="zh-TW" altLang="en-US" sz="5400" b="1" dirty="0" smtClean="0">
-                <a:solidFill>
-                  <a:srgbClr val="660033"/>
-                </a:solidFill>
-                <a:latin typeface="微軟正黑體" pitchFamily="34" charset="-120"/>
-                <a:ea typeface="微軟正黑體" pitchFamily="34" charset="-120"/>
-              </a:rPr>
-              <a:t>你</a:t>
-            </a:r>
-            <a:endParaRPr lang="en-US" altLang="zh-TW" sz="5400" b="1" dirty="0" smtClean="0">
-              <a:solidFill>
-                <a:srgbClr val="660033"/>
-              </a:solidFill>
-              <a:latin typeface="微軟正黑體" pitchFamily="34" charset="-120"/>
-              <a:ea typeface="微軟正黑體" pitchFamily="34" charset="-120"/>
-            </a:endParaRPr>
-          </a:p>
-          <a:p>
-            <a:pPr algn="ctr">
-              <a:buNone/>
-            </a:pPr>
-            <a:r>
-              <a:rPr lang="zh-TW" altLang="en-US" sz="5400" b="1" dirty="0" smtClean="0">
+              <a:rPr lang="zh-TW" altLang="en-US" sz="4800" b="1" dirty="0">
                 <a:solidFill>
                   <a:srgbClr val="660033"/>
                 </a:solidFill>
@@ -3834,7 +3874,7 @@
               <a:t>只</a:t>
             </a:r>
             <a:r>
-              <a:rPr lang="zh-TW" altLang="en-US" sz="5400" b="1" dirty="0">
+              <a:rPr lang="zh-TW" altLang="en-US" sz="4800" b="1" dirty="0">
                 <a:solidFill>
                   <a:srgbClr val="660033"/>
                 </a:solidFill>
@@ -3883,11 +3923,13 @@
         </p:nvSpPr>
         <p:spPr/>
         <p:txBody>
-          <a:bodyPr/>
-          <a:lstStyle/>
-          <a:p>
-            <a:r>
-              <a:rPr lang="zh-TW" altLang="en-US" b="1" dirty="0" smtClean="0">
+          <a:bodyPr>
+            <a:normAutofit/>
+          </a:bodyPr>
+          <a:lstStyle/>
+          <a:p>
+            <a:r>
+              <a:rPr lang="zh-TW" altLang="en-US" sz="4000" b="1" dirty="0">
                 <a:solidFill>
                   <a:srgbClr val="660033"/>
                 </a:solidFill>
@@ -3896,7 +3938,7 @@
               </a:rPr>
               <a:t>我心切切渴慕你</a:t>
             </a:r>
-            <a:endParaRPr lang="zh-TW" altLang="en-US" b="1" dirty="0">
+            <a:endParaRPr lang="zh-TW" altLang="en-US" sz="4000" b="1" dirty="0">
               <a:solidFill>
                 <a:srgbClr val="660033"/>
               </a:solidFill>
@@ -3927,7 +3969,7 @@
               <a:buNone/>
             </a:pPr>
             <a:r>
-              <a:rPr lang="zh-TW" altLang="en-US" sz="5400" b="1" dirty="0">
+              <a:rPr lang="zh-TW" altLang="en-US" sz="4800" b="1" dirty="0">
                 <a:solidFill>
                   <a:srgbClr val="660033"/>
                 </a:solidFill>
@@ -3937,7 +3979,7 @@
               <a:t>你的愛最</a:t>
             </a:r>
             <a:r>
-              <a:rPr lang="zh-TW" altLang="en-US" sz="5400" b="1" dirty="0" smtClean="0">
+              <a:rPr lang="zh-TW" altLang="en-US" sz="4800" b="1" dirty="0">
                 <a:solidFill>
                   <a:srgbClr val="660033"/>
                 </a:solidFill>
@@ -3946,7 +3988,7 @@
               </a:rPr>
               <a:t>美</a:t>
             </a:r>
-            <a:endParaRPr lang="en-US" altLang="zh-TW" sz="5400" b="1" dirty="0" smtClean="0">
+            <a:endParaRPr lang="en-US" altLang="zh-TW" sz="4800" b="1" dirty="0">
               <a:solidFill>
                 <a:srgbClr val="660033"/>
               </a:solidFill>
@@ -3959,7 +4001,7 @@
               <a:buNone/>
             </a:pPr>
             <a:r>
-              <a:rPr lang="zh-TW" altLang="en-US" sz="5400" b="1" dirty="0" smtClean="0">
+              <a:rPr lang="zh-TW" altLang="en-US" sz="4800" b="1" dirty="0">
                 <a:solidFill>
                   <a:srgbClr val="660033"/>
                 </a:solidFill>
@@ -3969,7 +4011,7 @@
               <a:t>我</a:t>
             </a:r>
             <a:r>
-              <a:rPr lang="zh-TW" altLang="en-US" sz="5400" b="1" dirty="0">
+              <a:rPr lang="zh-TW" altLang="en-US" sz="4800" b="1" dirty="0">
                 <a:solidFill>
                   <a:srgbClr val="660033"/>
                 </a:solidFill>
@@ -3979,7 +4021,7 @@
               <a:t>心不住思念</a:t>
             </a:r>
             <a:r>
-              <a:rPr lang="zh-TW" altLang="en-US" sz="5400" b="1" dirty="0" smtClean="0">
+              <a:rPr lang="zh-TW" altLang="en-US" sz="4800" b="1" dirty="0">
                 <a:solidFill>
                   <a:srgbClr val="660033"/>
                 </a:solidFill>
@@ -3988,7 +4030,7 @@
               </a:rPr>
               <a:t>你</a:t>
             </a:r>
-            <a:endParaRPr lang="en-US" altLang="zh-TW" sz="5400" b="1" dirty="0" smtClean="0">
+            <a:endParaRPr lang="en-US" altLang="zh-TW" sz="4800" b="1" dirty="0">
               <a:solidFill>
                 <a:srgbClr val="660033"/>
               </a:solidFill>
@@ -4001,7 +4043,7 @@
               <a:buNone/>
             </a:pPr>
             <a:r>
-              <a:rPr lang="zh-TW" altLang="en-US" sz="5400" b="1" dirty="0" smtClean="0">
+              <a:rPr lang="zh-TW" altLang="en-US" sz="4800" b="1" dirty="0">
                 <a:solidFill>
                   <a:srgbClr val="660033"/>
                 </a:solidFill>
@@ -4011,7 +4053,7 @@
               <a:t>只</a:t>
             </a:r>
             <a:r>
-              <a:rPr lang="zh-TW" altLang="en-US" sz="5400" b="1" dirty="0">
+              <a:rPr lang="zh-TW" altLang="en-US" sz="4800" b="1" dirty="0">
                 <a:solidFill>
                   <a:srgbClr val="660033"/>
                 </a:solidFill>

--- a/我心切切渴慕你(崇拜版).pptx
+++ b/我心切切渴慕你(崇拜版).pptx
@@ -107,6 +107,22 @@
       </a:defRPr>
     </a:lvl9pPr>
   </p:defaultTextStyle>
+  <p:extLst>
+    <p:ext uri="{EFAFB233-063F-42B5-8137-9DF3F51BA10A}">
+      <p15:sldGuideLst xmlns:p15="http://schemas.microsoft.com/office/powerpoint/2012/main">
+        <p15:guide id="1" orient="horz" pos="1620">
+          <p15:clr>
+            <a:srgbClr val="A4A3A4"/>
+          </p15:clr>
+        </p15:guide>
+        <p15:guide id="2" pos="2880">
+          <p15:clr>
+            <a:srgbClr val="A4A3A4"/>
+          </p15:clr>
+        </p15:guide>
+      </p15:sldGuideLst>
+    </p:ext>
+  </p:extLst>
 </p:presentation>
 </file>
 
@@ -292,7 +308,7 @@
             <a:fld id="{1358C6C7-DC36-49BA-B09E-2C760A046223}" type="datetimeFigureOut">
               <a:rPr lang="zh-TW" altLang="en-US" smtClean="0"/>
               <a:pPr/>
-              <a:t>2019/8/24</a:t>
+              <a:t>2020/1/18</a:t>
             </a:fld>
             <a:endParaRPr lang="zh-TW" altLang="en-US"/>
           </a:p>
@@ -459,7 +475,7 @@
             <a:fld id="{1358C6C7-DC36-49BA-B09E-2C760A046223}" type="datetimeFigureOut">
               <a:rPr lang="zh-TW" altLang="en-US" smtClean="0"/>
               <a:pPr/>
-              <a:t>2019/8/24</a:t>
+              <a:t>2020/1/18</a:t>
             </a:fld>
             <a:endParaRPr lang="zh-TW" altLang="en-US"/>
           </a:p>
@@ -636,7 +652,7 @@
             <a:fld id="{1358C6C7-DC36-49BA-B09E-2C760A046223}" type="datetimeFigureOut">
               <a:rPr lang="zh-TW" altLang="en-US" smtClean="0"/>
               <a:pPr/>
-              <a:t>2019/8/24</a:t>
+              <a:t>2020/1/18</a:t>
             </a:fld>
             <a:endParaRPr lang="zh-TW" altLang="en-US"/>
           </a:p>
@@ -803,7 +819,7 @@
             <a:fld id="{1358C6C7-DC36-49BA-B09E-2C760A046223}" type="datetimeFigureOut">
               <a:rPr lang="zh-TW" altLang="en-US" smtClean="0"/>
               <a:pPr/>
-              <a:t>2019/8/24</a:t>
+              <a:t>2020/1/18</a:t>
             </a:fld>
             <a:endParaRPr lang="zh-TW" altLang="en-US"/>
           </a:p>
@@ -1046,7 +1062,7 @@
             <a:fld id="{1358C6C7-DC36-49BA-B09E-2C760A046223}" type="datetimeFigureOut">
               <a:rPr lang="zh-TW" altLang="en-US" smtClean="0"/>
               <a:pPr/>
-              <a:t>2019/8/24</a:t>
+              <a:t>2020/1/18</a:t>
             </a:fld>
             <a:endParaRPr lang="zh-TW" altLang="en-US"/>
           </a:p>
@@ -1331,7 +1347,7 @@
             <a:fld id="{1358C6C7-DC36-49BA-B09E-2C760A046223}" type="datetimeFigureOut">
               <a:rPr lang="zh-TW" altLang="en-US" smtClean="0"/>
               <a:pPr/>
-              <a:t>2019/8/24</a:t>
+              <a:t>2020/1/18</a:t>
             </a:fld>
             <a:endParaRPr lang="zh-TW" altLang="en-US"/>
           </a:p>
@@ -1750,7 +1766,7 @@
             <a:fld id="{1358C6C7-DC36-49BA-B09E-2C760A046223}" type="datetimeFigureOut">
               <a:rPr lang="zh-TW" altLang="en-US" smtClean="0"/>
               <a:pPr/>
-              <a:t>2019/8/24</a:t>
+              <a:t>2020/1/18</a:t>
             </a:fld>
             <a:endParaRPr lang="zh-TW" altLang="en-US"/>
           </a:p>
@@ -1865,7 +1881,7 @@
             <a:fld id="{1358C6C7-DC36-49BA-B09E-2C760A046223}" type="datetimeFigureOut">
               <a:rPr lang="zh-TW" altLang="en-US" smtClean="0"/>
               <a:pPr/>
-              <a:t>2019/8/24</a:t>
+              <a:t>2020/1/18</a:t>
             </a:fld>
             <a:endParaRPr lang="zh-TW" altLang="en-US"/>
           </a:p>
@@ -1957,7 +1973,7 @@
             <a:fld id="{1358C6C7-DC36-49BA-B09E-2C760A046223}" type="datetimeFigureOut">
               <a:rPr lang="zh-TW" altLang="en-US" smtClean="0"/>
               <a:pPr/>
-              <a:t>2019/8/24</a:t>
+              <a:t>2020/1/18</a:t>
             </a:fld>
             <a:endParaRPr lang="zh-TW" altLang="en-US"/>
           </a:p>
@@ -2231,7 +2247,7 @@
             <a:fld id="{1358C6C7-DC36-49BA-B09E-2C760A046223}" type="datetimeFigureOut">
               <a:rPr lang="zh-TW" altLang="en-US" smtClean="0"/>
               <a:pPr/>
-              <a:t>2019/8/24</a:t>
+              <a:t>2020/1/18</a:t>
             </a:fld>
             <a:endParaRPr lang="zh-TW" altLang="en-US"/>
           </a:p>
@@ -2485,7 +2501,7 @@
             <a:fld id="{1358C6C7-DC36-49BA-B09E-2C760A046223}" type="datetimeFigureOut">
               <a:rPr lang="zh-TW" altLang="en-US" smtClean="0"/>
               <a:pPr/>
-              <a:t>2019/8/24</a:t>
+              <a:t>2020/1/18</a:t>
             </a:fld>
             <a:endParaRPr lang="zh-TW" altLang="en-US"/>
           </a:p>
@@ -2700,7 +2716,7 @@
             <a:fld id="{1358C6C7-DC36-49BA-B09E-2C760A046223}" type="datetimeFigureOut">
               <a:rPr lang="zh-TW" altLang="en-US" smtClean="0"/>
               <a:pPr/>
-              <a:t>2019/8/24</a:t>
+              <a:t>2020/1/18</a:t>
             </a:fld>
             <a:endParaRPr lang="zh-TW" altLang="en-US"/>
           </a:p>
@@ -3096,7 +3112,27 @@
                 <a:latin typeface="微軟正黑體" pitchFamily="34" charset="-120"/>
                 <a:ea typeface="微軟正黑體" pitchFamily="34" charset="-120"/>
               </a:rPr>
-              <a:t>我心切切渴慕你</a:t>
+              <a:t>我心切切渴</a:t>
+            </a:r>
+            <a:r>
+              <a:rPr lang="zh-TW" altLang="en-US" sz="4000" b="1" dirty="0" smtClean="0">
+                <a:solidFill>
+                  <a:srgbClr val="660033"/>
+                </a:solidFill>
+                <a:latin typeface="微軟正黑體" pitchFamily="34" charset="-120"/>
+                <a:ea typeface="微軟正黑體" pitchFamily="34" charset="-120"/>
+              </a:rPr>
+              <a:t>慕</a:t>
+            </a:r>
+            <a:r>
+              <a:rPr lang="zh-CN" altLang="en-US" sz="4000" b="1" dirty="0" smtClean="0">
+                <a:solidFill>
+                  <a:srgbClr val="660033"/>
+                </a:solidFill>
+                <a:latin typeface="微軟正黑體" pitchFamily="34" charset="-120"/>
+                <a:ea typeface="微軟正黑體" pitchFamily="34" charset="-120"/>
+              </a:rPr>
+              <a:t>袮</a:t>
             </a:r>
             <a:endParaRPr lang="zh-TW" altLang="en-US" sz="4000" b="1" dirty="0">
               <a:solidFill>
@@ -3136,7 +3172,7 @@
                 <a:latin typeface="微軟正黑體" pitchFamily="34" charset="-120"/>
                 <a:ea typeface="微軟正黑體" pitchFamily="34" charset="-120"/>
               </a:rPr>
-              <a:t>我心切切渴慕</a:t>
+              <a:t>我心切切渴</a:t>
             </a:r>
             <a:r>
               <a:rPr lang="zh-TW" altLang="en-US" sz="4800" b="1" dirty="0" smtClean="0">
@@ -3146,7 +3182,17 @@
                 <a:latin typeface="微軟正黑體" pitchFamily="34" charset="-120"/>
                 <a:ea typeface="微軟正黑體" pitchFamily="34" charset="-120"/>
               </a:rPr>
-              <a:t>你</a:t>
+              <a:t>慕</a:t>
+            </a:r>
+            <a:r>
+              <a:rPr lang="zh-CN" altLang="en-US" sz="4800" b="1" dirty="0">
+                <a:solidFill>
+                  <a:srgbClr val="660033"/>
+                </a:solidFill>
+                <a:latin typeface="微軟正黑體" pitchFamily="34" charset="-120"/>
+                <a:ea typeface="微軟正黑體" pitchFamily="34" charset="-120"/>
+              </a:rPr>
+              <a:t>袮</a:t>
             </a:r>
             <a:endParaRPr lang="en-US" altLang="zh-TW" sz="4800" b="1" dirty="0" smtClean="0">
               <a:solidFill>
@@ -3203,6 +3249,16 @@
               <a:buNone/>
             </a:pPr>
             <a:r>
+              <a:rPr lang="zh-CN" altLang="en-US" sz="4800" b="1" dirty="0">
+                <a:solidFill>
+                  <a:srgbClr val="660033"/>
+                </a:solidFill>
+                <a:latin typeface="微軟正黑體" pitchFamily="34" charset="-120"/>
+                <a:ea typeface="微軟正黑體" pitchFamily="34" charset="-120"/>
+              </a:rPr>
+              <a:t>袮</a:t>
+            </a:r>
+            <a:r>
               <a:rPr lang="zh-TW" altLang="en-US" sz="4800" b="1" dirty="0" smtClean="0">
                 <a:solidFill>
                   <a:srgbClr val="660033"/>
@@ -3210,7 +3266,7 @@
                 <a:latin typeface="微軟正黑體" pitchFamily="34" charset="-120"/>
                 <a:ea typeface="微軟正黑體" pitchFamily="34" charset="-120"/>
               </a:rPr>
-              <a:t>你</a:t>
+              <a:t>是</a:t>
             </a:r>
             <a:r>
               <a:rPr lang="zh-TW" altLang="en-US" sz="4800" b="1" dirty="0">
@@ -3220,7 +3276,7 @@
                 <a:latin typeface="微軟正黑體" pitchFamily="34" charset="-120"/>
                 <a:ea typeface="微軟正黑體" pitchFamily="34" charset="-120"/>
               </a:rPr>
-              <a:t>是我</a:t>
+              <a:t>我</a:t>
             </a:r>
             <a:r>
               <a:rPr lang="zh-TW" altLang="en-US" sz="4800" b="1" dirty="0" smtClean="0">
@@ -3230,7 +3286,27 @@
                 <a:latin typeface="微軟正黑體" pitchFamily="34" charset="-120"/>
                 <a:ea typeface="微軟正黑體" pitchFamily="34" charset="-120"/>
               </a:rPr>
-              <a:t>一</a:t>
+              <a:t>一切</a:t>
+            </a:r>
+            <a:r>
+              <a:rPr lang="en-US" altLang="zh-TW" sz="4800" b="1" dirty="0">
+                <a:solidFill>
+                  <a:srgbClr val="660033"/>
+                </a:solidFill>
+                <a:latin typeface="微軟正黑體" pitchFamily="34" charset="-120"/>
+                <a:ea typeface="微軟正黑體" pitchFamily="34" charset="-120"/>
+              </a:rPr>
+              <a:t> </a:t>
+            </a:r>
+            <a:r>
+              <a:rPr lang="en-US" altLang="zh-TW" sz="4800" b="1" dirty="0" smtClean="0">
+                <a:solidFill>
+                  <a:srgbClr val="660033"/>
+                </a:solidFill>
+                <a:latin typeface="微軟正黑體" pitchFamily="34" charset="-120"/>
+                <a:ea typeface="微軟正黑體" pitchFamily="34" charset="-120"/>
+              </a:rPr>
+              <a:t> </a:t>
             </a:r>
             <a:r>
               <a:rPr lang="zh-TW" altLang="en-US" sz="4800" b="1" dirty="0" smtClean="0">
@@ -3240,27 +3316,17 @@
                 <a:latin typeface="微軟正黑體" pitchFamily="34" charset="-120"/>
                 <a:ea typeface="微軟正黑體" pitchFamily="34" charset="-120"/>
               </a:rPr>
-              <a:t>切</a:t>
-            </a:r>
-            <a:r>
-              <a:rPr lang="en-US" altLang="zh-TW" sz="4800" b="1" dirty="0">
-                <a:solidFill>
-                  <a:srgbClr val="660033"/>
-                </a:solidFill>
-                <a:latin typeface="微軟正黑體" pitchFamily="34" charset="-120"/>
-                <a:ea typeface="微軟正黑體" pitchFamily="34" charset="-120"/>
-              </a:rPr>
-              <a:t> </a:t>
-            </a:r>
-            <a:r>
-              <a:rPr lang="en-US" altLang="zh-TW" sz="4800" b="1" dirty="0" smtClean="0">
-                <a:solidFill>
-                  <a:srgbClr val="660033"/>
-                </a:solidFill>
-                <a:latin typeface="微軟正黑體" pitchFamily="34" charset="-120"/>
-                <a:ea typeface="微軟正黑體" pitchFamily="34" charset="-120"/>
-              </a:rPr>
-              <a:t> </a:t>
+              <a:t>我</a:t>
+            </a:r>
+            <a:r>
+              <a:rPr lang="zh-TW" altLang="en-US" sz="4800" b="1" dirty="0">
+                <a:solidFill>
+                  <a:srgbClr val="660033"/>
+                </a:solidFill>
+                <a:latin typeface="微軟正黑體" pitchFamily="34" charset="-120"/>
+                <a:ea typeface="微軟正黑體" pitchFamily="34" charset="-120"/>
+              </a:rPr>
+              <a:t>心完全屬</a:t>
             </a:r>
             <a:r>
               <a:rPr lang="zh-TW" altLang="en-US" sz="4800" b="1" dirty="0" smtClean="0">
@@ -3270,27 +3336,17 @@
                 <a:latin typeface="微軟正黑體" pitchFamily="34" charset="-120"/>
                 <a:ea typeface="微軟正黑體" pitchFamily="34" charset="-120"/>
               </a:rPr>
-              <a:t>我</a:t>
-            </a:r>
-            <a:r>
-              <a:rPr lang="zh-TW" altLang="en-US" sz="4800" b="1" dirty="0">
-                <a:solidFill>
-                  <a:srgbClr val="660033"/>
-                </a:solidFill>
-                <a:latin typeface="微軟正黑體" pitchFamily="34" charset="-120"/>
-                <a:ea typeface="微軟正黑體" pitchFamily="34" charset="-120"/>
-              </a:rPr>
-              <a:t>心完全屬於</a:t>
-            </a:r>
-            <a:r>
-              <a:rPr lang="zh-TW" altLang="en-US" sz="4800" b="1" dirty="0" smtClean="0">
-                <a:solidFill>
-                  <a:srgbClr val="660033"/>
-                </a:solidFill>
-                <a:latin typeface="微軟正黑體" pitchFamily="34" charset="-120"/>
-                <a:ea typeface="微軟正黑體" pitchFamily="34" charset="-120"/>
-              </a:rPr>
-              <a:t>你</a:t>
+              <a:t>於</a:t>
+            </a:r>
+            <a:r>
+              <a:rPr lang="zh-CN" altLang="en-US" sz="4800" b="1" dirty="0">
+                <a:solidFill>
+                  <a:srgbClr val="660033"/>
+                </a:solidFill>
+                <a:latin typeface="微軟正黑體" pitchFamily="34" charset="-120"/>
+                <a:ea typeface="微軟正黑體" pitchFamily="34" charset="-120"/>
+              </a:rPr>
+              <a:t>袮</a:t>
             </a:r>
             <a:endParaRPr lang="en-US" altLang="zh-TW" sz="4800" b="1" dirty="0" smtClean="0">
               <a:solidFill>
@@ -3377,7 +3433,27 @@
                 <a:latin typeface="微軟正黑體" pitchFamily="34" charset="-120"/>
                 <a:ea typeface="微軟正黑體" pitchFamily="34" charset="-120"/>
               </a:rPr>
-              <a:t>我心切切渴慕你</a:t>
+              <a:t>我心切切渴</a:t>
+            </a:r>
+            <a:r>
+              <a:rPr lang="zh-TW" altLang="en-US" sz="4000" b="1" dirty="0" smtClean="0">
+                <a:solidFill>
+                  <a:srgbClr val="660033"/>
+                </a:solidFill>
+                <a:latin typeface="微軟正黑體" pitchFamily="34" charset="-120"/>
+                <a:ea typeface="微軟正黑體" pitchFamily="34" charset="-120"/>
+              </a:rPr>
+              <a:t>慕</a:t>
+            </a:r>
+            <a:r>
+              <a:rPr lang="zh-CN" altLang="en-US" sz="4000" b="1" dirty="0">
+                <a:solidFill>
+                  <a:srgbClr val="660033"/>
+                </a:solidFill>
+                <a:latin typeface="微軟正黑體" pitchFamily="34" charset="-120"/>
+                <a:ea typeface="微軟正黑體" pitchFamily="34" charset="-120"/>
+              </a:rPr>
+              <a:t>袮</a:t>
             </a:r>
             <a:endParaRPr lang="zh-TW" altLang="en-US" sz="4000" b="1" dirty="0">
               <a:solidFill>
@@ -3417,17 +3493,27 @@
                 <a:latin typeface="微軟正黑體" pitchFamily="34" charset="-120"/>
                 <a:ea typeface="微軟正黑體" pitchFamily="34" charset="-120"/>
               </a:rPr>
-              <a:t>我要切切尋求</a:t>
-            </a:r>
-            <a:r>
-              <a:rPr lang="zh-TW" altLang="en-US" sz="4800" b="1" dirty="0">
-                <a:solidFill>
-                  <a:srgbClr val="660033"/>
-                </a:solidFill>
-                <a:latin typeface="微軟正黑體" pitchFamily="34" charset="-120"/>
-                <a:ea typeface="微軟正黑體" pitchFamily="34" charset="-120"/>
-              </a:rPr>
-              <a:t>你</a:t>
+              <a:t>我要切切尋</a:t>
+            </a:r>
+            <a:r>
+              <a:rPr lang="zh-TW" altLang="en-US" sz="4800" b="1" dirty="0" smtClean="0">
+                <a:solidFill>
+                  <a:srgbClr val="660033"/>
+                </a:solidFill>
+                <a:latin typeface="微軟正黑體" pitchFamily="34" charset="-120"/>
+                <a:ea typeface="微軟正黑體" pitchFamily="34" charset="-120"/>
+              </a:rPr>
+              <a:t>求</a:t>
+            </a:r>
+            <a:r>
+              <a:rPr lang="zh-CN" altLang="en-US" sz="4800" b="1" dirty="0">
+                <a:solidFill>
+                  <a:srgbClr val="660033"/>
+                </a:solidFill>
+                <a:latin typeface="微軟正黑體" pitchFamily="34" charset="-120"/>
+                <a:ea typeface="微軟正黑體" pitchFamily="34" charset="-120"/>
+              </a:rPr>
+              <a:t>袮</a:t>
             </a:r>
             <a:endParaRPr lang="en-US" altLang="zh-TW" sz="4800" b="1" dirty="0">
               <a:solidFill>
@@ -3449,27 +3535,7 @@
                 <a:latin typeface="微軟正黑體" pitchFamily="34" charset="-120"/>
                 <a:ea typeface="微軟正黑體" pitchFamily="34" charset="-120"/>
               </a:rPr>
-              <a:t>乾旱</a:t>
-            </a:r>
-            <a:r>
-              <a:rPr lang="zh-TW" altLang="en-US" sz="4800" b="1" dirty="0">
-                <a:solidFill>
-                  <a:srgbClr val="660033"/>
-                </a:solidFill>
-                <a:latin typeface="微軟正黑體" pitchFamily="34" charset="-120"/>
-                <a:ea typeface="微軟正黑體" pitchFamily="34" charset="-120"/>
-              </a:rPr>
-              <a:t>疲乏無水之</a:t>
-            </a:r>
-            <a:r>
-              <a:rPr lang="zh-TW" altLang="en-US" sz="4800" b="1" dirty="0">
-                <a:solidFill>
-                  <a:srgbClr val="660033"/>
-                </a:solidFill>
-                <a:latin typeface="微軟正黑體" pitchFamily="34" charset="-120"/>
-                <a:ea typeface="微軟正黑體" pitchFamily="34" charset="-120"/>
-              </a:rPr>
-              <a:t>地</a:t>
+              <a:t>乾旱疲乏無水之地</a:t>
             </a:r>
             <a:endParaRPr lang="en-US" altLang="zh-TW" sz="4800" b="1" dirty="0">
               <a:solidFill>
@@ -3484,6 +3550,26 @@
               <a:buNone/>
             </a:pPr>
             <a:r>
+              <a:rPr lang="zh-CN" altLang="en-US" sz="4800" b="1" dirty="0">
+                <a:solidFill>
+                  <a:srgbClr val="660033"/>
+                </a:solidFill>
+                <a:latin typeface="微軟正黑體" pitchFamily="34" charset="-120"/>
+                <a:ea typeface="微軟正黑體" pitchFamily="34" charset="-120"/>
+              </a:rPr>
+              <a:t>袮</a:t>
+            </a:r>
+            <a:r>
+              <a:rPr lang="zh-TW" altLang="en-US" sz="4800" b="1" dirty="0" smtClean="0">
+                <a:solidFill>
+                  <a:srgbClr val="660033"/>
+                </a:solidFill>
+                <a:latin typeface="微軟正黑體" pitchFamily="34" charset="-120"/>
+                <a:ea typeface="微軟正黑體" pitchFamily="34" charset="-120"/>
+              </a:rPr>
+              <a:t>是</a:t>
+            </a:r>
+            <a:r>
               <a:rPr lang="zh-TW" altLang="en-US" sz="4800" b="1" dirty="0">
                 <a:solidFill>
                   <a:srgbClr val="660033"/>
@@ -3491,7 +3577,37 @@
                 <a:latin typeface="微軟正黑體" pitchFamily="34" charset="-120"/>
                 <a:ea typeface="微軟正黑體" pitchFamily="34" charset="-120"/>
               </a:rPr>
-              <a:t>你</a:t>
+              <a:t>我一</a:t>
+            </a:r>
+            <a:r>
+              <a:rPr lang="zh-TW" altLang="en-US" sz="4800" b="1" dirty="0" smtClean="0">
+                <a:solidFill>
+                  <a:srgbClr val="660033"/>
+                </a:solidFill>
+                <a:latin typeface="微軟正黑體" pitchFamily="34" charset="-120"/>
+                <a:ea typeface="微軟正黑體" pitchFamily="34" charset="-120"/>
+              </a:rPr>
+              <a:t>切</a:t>
+            </a:r>
+            <a:r>
+              <a:rPr lang="en-US" altLang="zh-TW" sz="4800" b="1" dirty="0" smtClean="0">
+                <a:solidFill>
+                  <a:srgbClr val="660033"/>
+                </a:solidFill>
+                <a:latin typeface="微軟正黑體" pitchFamily="34" charset="-120"/>
+                <a:ea typeface="微軟正黑體" pitchFamily="34" charset="-120"/>
+              </a:rPr>
+              <a:t>  </a:t>
+            </a:r>
+            <a:r>
+              <a:rPr lang="zh-TW" altLang="en-US" sz="4800" b="1" dirty="0" smtClean="0">
+                <a:solidFill>
+                  <a:srgbClr val="660033"/>
+                </a:solidFill>
+                <a:latin typeface="微軟正黑體" pitchFamily="34" charset="-120"/>
+                <a:ea typeface="微軟正黑體" pitchFamily="34" charset="-120"/>
+              </a:rPr>
+              <a:t>我</a:t>
             </a:r>
             <a:r>
               <a:rPr lang="zh-TW" altLang="en-US" sz="4800" b="1" dirty="0">
@@ -3501,17 +3617,7 @@
                 <a:latin typeface="微軟正黑體" pitchFamily="34" charset="-120"/>
                 <a:ea typeface="微軟正黑體" pitchFamily="34" charset="-120"/>
               </a:rPr>
-              <a:t>是我</a:t>
-            </a:r>
-            <a:r>
-              <a:rPr lang="zh-TW" altLang="en-US" sz="4800" b="1" dirty="0">
-                <a:solidFill>
-                  <a:srgbClr val="660033"/>
-                </a:solidFill>
-                <a:latin typeface="微軟正黑體" pitchFamily="34" charset="-120"/>
-                <a:ea typeface="微軟正黑體" pitchFamily="34" charset="-120"/>
-              </a:rPr>
-              <a:t>一</a:t>
+              <a:t>心不住思</a:t>
             </a:r>
             <a:r>
               <a:rPr lang="zh-TW" altLang="en-US" sz="4800" b="1" dirty="0" smtClean="0">
@@ -3521,47 +3627,17 @@
                 <a:latin typeface="微軟正黑體" pitchFamily="34" charset="-120"/>
                 <a:ea typeface="微軟正黑體" pitchFamily="34" charset="-120"/>
               </a:rPr>
-              <a:t>切</a:t>
-            </a:r>
-            <a:r>
-              <a:rPr lang="en-US" altLang="zh-TW" sz="4800" b="1" dirty="0" smtClean="0">
-                <a:solidFill>
-                  <a:srgbClr val="660033"/>
-                </a:solidFill>
-                <a:latin typeface="微軟正黑體" pitchFamily="34" charset="-120"/>
-                <a:ea typeface="微軟正黑體" pitchFamily="34" charset="-120"/>
-              </a:rPr>
-              <a:t>  </a:t>
-            </a:r>
-            <a:r>
-              <a:rPr lang="zh-TW" altLang="en-US" sz="4800" b="1" dirty="0" smtClean="0">
-                <a:solidFill>
-                  <a:srgbClr val="660033"/>
-                </a:solidFill>
-                <a:latin typeface="微軟正黑體" pitchFamily="34" charset="-120"/>
-                <a:ea typeface="微軟正黑體" pitchFamily="34" charset="-120"/>
-              </a:rPr>
-              <a:t>我</a:t>
-            </a:r>
-            <a:r>
-              <a:rPr lang="zh-TW" altLang="en-US" sz="4800" b="1" dirty="0">
-                <a:solidFill>
-                  <a:srgbClr val="660033"/>
-                </a:solidFill>
-                <a:latin typeface="微軟正黑體" pitchFamily="34" charset="-120"/>
-                <a:ea typeface="微軟正黑體" pitchFamily="34" charset="-120"/>
-              </a:rPr>
-              <a:t>心不住思念</a:t>
-            </a:r>
-            <a:r>
-              <a:rPr lang="zh-TW" altLang="en-US" sz="4800" b="1" dirty="0">
-                <a:solidFill>
-                  <a:srgbClr val="660033"/>
-                </a:solidFill>
-                <a:latin typeface="微軟正黑體" pitchFamily="34" charset="-120"/>
-                <a:ea typeface="微軟正黑體" pitchFamily="34" charset="-120"/>
-              </a:rPr>
-              <a:t>你</a:t>
+              <a:t>念</a:t>
+            </a:r>
+            <a:r>
+              <a:rPr lang="zh-CN" altLang="en-US" sz="4800" b="1" dirty="0">
+                <a:solidFill>
+                  <a:srgbClr val="660033"/>
+                </a:solidFill>
+                <a:latin typeface="微軟正黑體" pitchFamily="34" charset="-120"/>
+                <a:ea typeface="微軟正黑體" pitchFamily="34" charset="-120"/>
+              </a:rPr>
+              <a:t>袮</a:t>
             </a:r>
             <a:endParaRPr lang="en-US" altLang="zh-TW" sz="4800" b="1" dirty="0">
               <a:solidFill>
@@ -3583,7 +3659,37 @@
                 <a:latin typeface="微軟正黑體" pitchFamily="34" charset="-120"/>
                 <a:ea typeface="微軟正黑體" pitchFamily="34" charset="-120"/>
               </a:rPr>
-              <a:t>只</a:t>
+              <a:t>只願</a:t>
+            </a:r>
+            <a:r>
+              <a:rPr lang="zh-TW" altLang="en-US" sz="4800" b="1" dirty="0" smtClean="0">
+                <a:solidFill>
+                  <a:srgbClr val="660033"/>
+                </a:solidFill>
+                <a:latin typeface="微軟正黑體" pitchFamily="34" charset="-120"/>
+                <a:ea typeface="微軟正黑體" pitchFamily="34" charset="-120"/>
+              </a:rPr>
+              <a:t>與</a:t>
+            </a:r>
+            <a:r>
+              <a:rPr lang="zh-CN" altLang="en-US" sz="4800" b="1" dirty="0">
+                <a:solidFill>
+                  <a:srgbClr val="660033"/>
+                </a:solidFill>
+                <a:latin typeface="微軟正黑體" pitchFamily="34" charset="-120"/>
+                <a:ea typeface="微軟正黑體" pitchFamily="34" charset="-120"/>
+              </a:rPr>
+              <a:t>袮</a:t>
+            </a:r>
+            <a:r>
+              <a:rPr lang="zh-TW" altLang="en-US" sz="4800" b="1" dirty="0" smtClean="0">
+                <a:solidFill>
+                  <a:srgbClr val="660033"/>
+                </a:solidFill>
+                <a:latin typeface="微軟正黑體" pitchFamily="34" charset="-120"/>
+                <a:ea typeface="微軟正黑體" pitchFamily="34" charset="-120"/>
+              </a:rPr>
+              <a:t>面</a:t>
             </a:r>
             <a:r>
               <a:rPr lang="zh-TW" altLang="en-US" sz="4800" b="1" dirty="0">
@@ -3593,25 +3699,8 @@
                 <a:latin typeface="微軟正黑體" pitchFamily="34" charset="-120"/>
                 <a:ea typeface="微軟正黑體" pitchFamily="34" charset="-120"/>
               </a:rPr>
-              <a:t>願與你</a:t>
-            </a:r>
-            <a:r>
-              <a:rPr lang="zh-TW" altLang="en-US" sz="4800" b="1" dirty="0">
-                <a:solidFill>
-                  <a:srgbClr val="660033"/>
-                </a:solidFill>
-                <a:latin typeface="微軟正黑體" pitchFamily="34" charset="-120"/>
-                <a:ea typeface="微軟正黑體" pitchFamily="34" charset="-120"/>
-              </a:rPr>
-              <a:t>面對面</a:t>
-            </a:r>
-            <a:endParaRPr lang="zh-TW" altLang="en-US" sz="4800" b="1" dirty="0">
-              <a:solidFill>
-                <a:srgbClr val="660033"/>
-              </a:solidFill>
-              <a:latin typeface="微軟正黑體" pitchFamily="34" charset="-120"/>
-              <a:ea typeface="微軟正黑體" pitchFamily="34" charset="-120"/>
-            </a:endParaRPr>
+              <a:t>對面</a:t>
+            </a:r>
           </a:p>
         </p:txBody>
       </p:sp>
@@ -3665,7 +3754,27 @@
                 <a:latin typeface="微軟正黑體" pitchFamily="34" charset="-120"/>
                 <a:ea typeface="微軟正黑體" pitchFamily="34" charset="-120"/>
               </a:rPr>
-              <a:t>我心切切渴慕你</a:t>
+              <a:t>我心切切渴</a:t>
+            </a:r>
+            <a:r>
+              <a:rPr lang="zh-TW" altLang="en-US" sz="4000" b="1" dirty="0" smtClean="0">
+                <a:solidFill>
+                  <a:srgbClr val="660033"/>
+                </a:solidFill>
+                <a:latin typeface="微軟正黑體" pitchFamily="34" charset="-120"/>
+                <a:ea typeface="微軟正黑體" pitchFamily="34" charset="-120"/>
+              </a:rPr>
+              <a:t>慕</a:t>
+            </a:r>
+            <a:r>
+              <a:rPr lang="zh-CN" altLang="en-US" sz="4000" b="1" dirty="0">
+                <a:solidFill>
+                  <a:srgbClr val="660033"/>
+                </a:solidFill>
+                <a:latin typeface="微軟正黑體" pitchFamily="34" charset="-120"/>
+                <a:ea typeface="微軟正黑體" pitchFamily="34" charset="-120"/>
+              </a:rPr>
+              <a:t>袮</a:t>
             </a:r>
             <a:endParaRPr lang="zh-TW" altLang="en-US" sz="4000" b="1" dirty="0">
               <a:solidFill>
@@ -3705,17 +3814,27 @@
                 <a:latin typeface="微軟正黑體" pitchFamily="34" charset="-120"/>
                 <a:ea typeface="微軟正黑體" pitchFamily="34" charset="-120"/>
               </a:rPr>
-              <a:t>我要永永遠遠來愛</a:t>
-            </a:r>
-            <a:r>
-              <a:rPr lang="zh-TW" altLang="en-US" sz="4800" b="1" dirty="0">
-                <a:solidFill>
-                  <a:srgbClr val="660033"/>
-                </a:solidFill>
-                <a:latin typeface="微軟正黑體" pitchFamily="34" charset="-120"/>
-                <a:ea typeface="微軟正黑體" pitchFamily="34" charset="-120"/>
-              </a:rPr>
-              <a:t>你</a:t>
+              <a:t>我要永永遠遠來</a:t>
+            </a:r>
+            <a:r>
+              <a:rPr lang="zh-TW" altLang="en-US" sz="4800" b="1" dirty="0" smtClean="0">
+                <a:solidFill>
+                  <a:srgbClr val="660033"/>
+                </a:solidFill>
+                <a:latin typeface="微軟正黑體" pitchFamily="34" charset="-120"/>
+                <a:ea typeface="微軟正黑體" pitchFamily="34" charset="-120"/>
+              </a:rPr>
+              <a:t>愛</a:t>
+            </a:r>
+            <a:r>
+              <a:rPr lang="zh-CN" altLang="en-US" sz="4800" b="1" dirty="0">
+                <a:solidFill>
+                  <a:srgbClr val="660033"/>
+                </a:solidFill>
+                <a:latin typeface="微軟正黑體" pitchFamily="34" charset="-120"/>
+                <a:ea typeface="微軟正黑體" pitchFamily="34" charset="-120"/>
+              </a:rPr>
+              <a:t>袮</a:t>
             </a:r>
             <a:endParaRPr lang="en-US" altLang="zh-TW" sz="4800" b="1" dirty="0">
               <a:solidFill>
@@ -3737,27 +3856,27 @@
                 <a:latin typeface="微軟正黑體" pitchFamily="34" charset="-120"/>
                 <a:ea typeface="微軟正黑體" pitchFamily="34" charset="-120"/>
               </a:rPr>
-              <a:t>我</a:t>
-            </a:r>
-            <a:r>
-              <a:rPr lang="zh-TW" altLang="en-US" sz="4800" b="1" dirty="0">
-                <a:solidFill>
-                  <a:srgbClr val="660033"/>
-                </a:solidFill>
-                <a:latin typeface="微軟正黑體" pitchFamily="34" charset="-120"/>
-                <a:ea typeface="微軟正黑體" pitchFamily="34" charset="-120"/>
-              </a:rPr>
-              <a:t>要永永遠遠渴慕</a:t>
-            </a:r>
-            <a:r>
-              <a:rPr lang="zh-TW" altLang="en-US" sz="4800" b="1" dirty="0">
-                <a:solidFill>
-                  <a:srgbClr val="660033"/>
-                </a:solidFill>
-                <a:latin typeface="微軟正黑體" pitchFamily="34" charset="-120"/>
-                <a:ea typeface="微軟正黑體" pitchFamily="34" charset="-120"/>
-              </a:rPr>
-              <a:t>你</a:t>
+              <a:t>我要永永遠遠渴</a:t>
+            </a:r>
+            <a:r>
+              <a:rPr lang="zh-TW" altLang="en-US" sz="4800" b="1" dirty="0" smtClean="0">
+                <a:solidFill>
+                  <a:srgbClr val="660033"/>
+                </a:solidFill>
+                <a:latin typeface="微軟正黑體" pitchFamily="34" charset="-120"/>
+                <a:ea typeface="微軟正黑體" pitchFamily="34" charset="-120"/>
+              </a:rPr>
+              <a:t>慕</a:t>
+            </a:r>
+            <a:r>
+              <a:rPr lang="zh-CN" altLang="en-US" sz="4800" b="1" dirty="0">
+                <a:solidFill>
+                  <a:srgbClr val="660033"/>
+                </a:solidFill>
+                <a:latin typeface="微軟正黑體" pitchFamily="34" charset="-120"/>
+                <a:ea typeface="微軟正黑體" pitchFamily="34" charset="-120"/>
+              </a:rPr>
+              <a:t>袮</a:t>
             </a:r>
             <a:endParaRPr lang="en-US" altLang="zh-TW" sz="4800" b="1" dirty="0">
               <a:solidFill>
@@ -3772,6 +3891,26 @@
               <a:buNone/>
             </a:pPr>
             <a:r>
+              <a:rPr lang="zh-CN" altLang="en-US" sz="4800" b="1" dirty="0">
+                <a:solidFill>
+                  <a:srgbClr val="660033"/>
+                </a:solidFill>
+                <a:latin typeface="微軟正黑體" pitchFamily="34" charset="-120"/>
+                <a:ea typeface="微軟正黑體" pitchFamily="34" charset="-120"/>
+              </a:rPr>
+              <a:t>袮</a:t>
+            </a:r>
+            <a:r>
+              <a:rPr lang="zh-TW" altLang="en-US" sz="4800" b="1" dirty="0" smtClean="0">
+                <a:solidFill>
+                  <a:srgbClr val="660033"/>
+                </a:solidFill>
+                <a:latin typeface="微軟正黑體" pitchFamily="34" charset="-120"/>
+                <a:ea typeface="微軟正黑體" pitchFamily="34" charset="-120"/>
+              </a:rPr>
+              <a:t>是</a:t>
+            </a:r>
+            <a:r>
               <a:rPr lang="zh-TW" altLang="en-US" sz="4800" b="1" dirty="0">
                 <a:solidFill>
                   <a:srgbClr val="660033"/>
@@ -3779,7 +3918,37 @@
                 <a:latin typeface="微軟正黑體" pitchFamily="34" charset="-120"/>
                 <a:ea typeface="微軟正黑體" pitchFamily="34" charset="-120"/>
               </a:rPr>
-              <a:t>你</a:t>
+              <a:t>我一</a:t>
+            </a:r>
+            <a:r>
+              <a:rPr lang="zh-TW" altLang="en-US" sz="4800" b="1" dirty="0" smtClean="0">
+                <a:solidFill>
+                  <a:srgbClr val="660033"/>
+                </a:solidFill>
+                <a:latin typeface="微軟正黑體" pitchFamily="34" charset="-120"/>
+                <a:ea typeface="微軟正黑體" pitchFamily="34" charset="-120"/>
+              </a:rPr>
+              <a:t>切</a:t>
+            </a:r>
+            <a:r>
+              <a:rPr lang="en-US" altLang="zh-TW" sz="4800" b="1" dirty="0" smtClean="0">
+                <a:solidFill>
+                  <a:srgbClr val="660033"/>
+                </a:solidFill>
+                <a:latin typeface="微軟正黑體" pitchFamily="34" charset="-120"/>
+                <a:ea typeface="微軟正黑體" pitchFamily="34" charset="-120"/>
+              </a:rPr>
+              <a:t>  </a:t>
+            </a:r>
+            <a:r>
+              <a:rPr lang="zh-TW" altLang="en-US" sz="4800" b="1" dirty="0" smtClean="0">
+                <a:solidFill>
+                  <a:srgbClr val="660033"/>
+                </a:solidFill>
+                <a:latin typeface="微軟正黑體" pitchFamily="34" charset="-120"/>
+                <a:ea typeface="微軟正黑體" pitchFamily="34" charset="-120"/>
+              </a:rPr>
+              <a:t>我</a:t>
             </a:r>
             <a:r>
               <a:rPr lang="zh-TW" altLang="en-US" sz="4800" b="1" dirty="0">
@@ -3789,17 +3958,7 @@
                 <a:latin typeface="微軟正黑體" pitchFamily="34" charset="-120"/>
                 <a:ea typeface="微軟正黑體" pitchFamily="34" charset="-120"/>
               </a:rPr>
-              <a:t>是我</a:t>
-            </a:r>
-            <a:r>
-              <a:rPr lang="zh-TW" altLang="en-US" sz="4800" b="1" dirty="0">
-                <a:solidFill>
-                  <a:srgbClr val="660033"/>
-                </a:solidFill>
-                <a:latin typeface="微軟正黑體" pitchFamily="34" charset="-120"/>
-                <a:ea typeface="微軟正黑體" pitchFamily="34" charset="-120"/>
-              </a:rPr>
-              <a:t>一</a:t>
+              <a:t>心不住思</a:t>
             </a:r>
             <a:r>
               <a:rPr lang="zh-TW" altLang="en-US" sz="4800" b="1" dirty="0" smtClean="0">
@@ -3809,47 +3968,17 @@
                 <a:latin typeface="微軟正黑體" pitchFamily="34" charset="-120"/>
                 <a:ea typeface="微軟正黑體" pitchFamily="34" charset="-120"/>
               </a:rPr>
-              <a:t>切</a:t>
-            </a:r>
-            <a:r>
-              <a:rPr lang="en-US" altLang="zh-TW" sz="4800" b="1" dirty="0" smtClean="0">
-                <a:solidFill>
-                  <a:srgbClr val="660033"/>
-                </a:solidFill>
-                <a:latin typeface="微軟正黑體" pitchFamily="34" charset="-120"/>
-                <a:ea typeface="微軟正黑體" pitchFamily="34" charset="-120"/>
-              </a:rPr>
-              <a:t>  </a:t>
-            </a:r>
-            <a:r>
-              <a:rPr lang="zh-TW" altLang="en-US" sz="4800" b="1" dirty="0" smtClean="0">
-                <a:solidFill>
-                  <a:srgbClr val="660033"/>
-                </a:solidFill>
-                <a:latin typeface="微軟正黑體" pitchFamily="34" charset="-120"/>
-                <a:ea typeface="微軟正黑體" pitchFamily="34" charset="-120"/>
-              </a:rPr>
-              <a:t>我</a:t>
-            </a:r>
-            <a:r>
-              <a:rPr lang="zh-TW" altLang="en-US" sz="4800" b="1" dirty="0">
-                <a:solidFill>
-                  <a:srgbClr val="660033"/>
-                </a:solidFill>
-                <a:latin typeface="微軟正黑體" pitchFamily="34" charset="-120"/>
-                <a:ea typeface="微軟正黑體" pitchFamily="34" charset="-120"/>
-              </a:rPr>
-              <a:t>心不住思念</a:t>
-            </a:r>
-            <a:r>
-              <a:rPr lang="zh-TW" altLang="en-US" sz="4800" b="1" dirty="0">
-                <a:solidFill>
-                  <a:srgbClr val="660033"/>
-                </a:solidFill>
-                <a:latin typeface="微軟正黑體" pitchFamily="34" charset="-120"/>
-                <a:ea typeface="微軟正黑體" pitchFamily="34" charset="-120"/>
-              </a:rPr>
-              <a:t>你</a:t>
+              <a:t>念</a:t>
+            </a:r>
+            <a:r>
+              <a:rPr lang="zh-CN" altLang="en-US" sz="4800" b="1" dirty="0">
+                <a:solidFill>
+                  <a:srgbClr val="660033"/>
+                </a:solidFill>
+                <a:latin typeface="微軟正黑體" pitchFamily="34" charset="-120"/>
+                <a:ea typeface="微軟正黑體" pitchFamily="34" charset="-120"/>
+              </a:rPr>
+              <a:t>袮</a:t>
             </a:r>
             <a:endParaRPr lang="en-US" altLang="zh-TW" sz="4800" b="1" dirty="0">
               <a:solidFill>
@@ -3871,7 +4000,37 @@
                 <a:latin typeface="微軟正黑體" pitchFamily="34" charset="-120"/>
                 <a:ea typeface="微軟正黑體" pitchFamily="34" charset="-120"/>
               </a:rPr>
-              <a:t>只</a:t>
+              <a:t>只願</a:t>
+            </a:r>
+            <a:r>
+              <a:rPr lang="zh-TW" altLang="en-US" sz="4800" b="1" dirty="0" smtClean="0">
+                <a:solidFill>
+                  <a:srgbClr val="660033"/>
+                </a:solidFill>
+                <a:latin typeface="微軟正黑體" pitchFamily="34" charset="-120"/>
+                <a:ea typeface="微軟正黑體" pitchFamily="34" charset="-120"/>
+              </a:rPr>
+              <a:t>與</a:t>
+            </a:r>
+            <a:r>
+              <a:rPr lang="zh-CN" altLang="en-US" sz="4800" b="1" dirty="0">
+                <a:solidFill>
+                  <a:srgbClr val="660033"/>
+                </a:solidFill>
+                <a:latin typeface="微軟正黑體" pitchFamily="34" charset="-120"/>
+                <a:ea typeface="微軟正黑體" pitchFamily="34" charset="-120"/>
+              </a:rPr>
+              <a:t>袮</a:t>
+            </a:r>
+            <a:r>
+              <a:rPr lang="zh-TW" altLang="en-US" sz="4800" b="1" dirty="0" smtClean="0">
+                <a:solidFill>
+                  <a:srgbClr val="660033"/>
+                </a:solidFill>
+                <a:latin typeface="微軟正黑體" pitchFamily="34" charset="-120"/>
+                <a:ea typeface="微軟正黑體" pitchFamily="34" charset="-120"/>
+              </a:rPr>
+              <a:t>面</a:t>
             </a:r>
             <a:r>
               <a:rPr lang="zh-TW" altLang="en-US" sz="4800" b="1" dirty="0">
@@ -3881,7 +4040,7 @@
                 <a:latin typeface="微軟正黑體" pitchFamily="34" charset="-120"/>
                 <a:ea typeface="微軟正黑體" pitchFamily="34" charset="-120"/>
               </a:rPr>
-              <a:t>願與你面對面</a:t>
+              <a:t>對面</a:t>
             </a:r>
           </a:p>
         </p:txBody>
@@ -3936,7 +4095,27 @@
                 <a:latin typeface="微軟正黑體" pitchFamily="34" charset="-120"/>
                 <a:ea typeface="微軟正黑體" pitchFamily="34" charset="-120"/>
               </a:rPr>
-              <a:t>我心切切渴慕你</a:t>
+              <a:t>我心切切渴</a:t>
+            </a:r>
+            <a:r>
+              <a:rPr lang="zh-TW" altLang="en-US" sz="4000" b="1" dirty="0" smtClean="0">
+                <a:solidFill>
+                  <a:srgbClr val="660033"/>
+                </a:solidFill>
+                <a:latin typeface="微軟正黑體" pitchFamily="34" charset="-120"/>
+                <a:ea typeface="微軟正黑體" pitchFamily="34" charset="-120"/>
+              </a:rPr>
+              <a:t>慕</a:t>
+            </a:r>
+            <a:r>
+              <a:rPr lang="zh-CN" altLang="en-US" sz="4000" b="1" dirty="0">
+                <a:solidFill>
+                  <a:srgbClr val="660033"/>
+                </a:solidFill>
+                <a:latin typeface="微軟正黑體" pitchFamily="34" charset="-120"/>
+                <a:ea typeface="微軟正黑體" pitchFamily="34" charset="-120"/>
+              </a:rPr>
+              <a:t>袮</a:t>
             </a:r>
             <a:endParaRPr lang="zh-TW" altLang="en-US" sz="4000" b="1" dirty="0">
               <a:solidFill>
@@ -3969,6 +4148,26 @@
               <a:buNone/>
             </a:pPr>
             <a:r>
+              <a:rPr lang="zh-CN" altLang="en-US" sz="4800" b="1" dirty="0">
+                <a:solidFill>
+                  <a:srgbClr val="660033"/>
+                </a:solidFill>
+                <a:latin typeface="微軟正黑體" pitchFamily="34" charset="-120"/>
+                <a:ea typeface="微軟正黑體" pitchFamily="34" charset="-120"/>
+              </a:rPr>
+              <a:t>袮</a:t>
+            </a:r>
+            <a:r>
+              <a:rPr lang="zh-TW" altLang="en-US" sz="4800" b="1" dirty="0" smtClean="0">
+                <a:solidFill>
+                  <a:srgbClr val="660033"/>
+                </a:solidFill>
+                <a:latin typeface="微軟正黑體" pitchFamily="34" charset="-120"/>
+                <a:ea typeface="微軟正黑體" pitchFamily="34" charset="-120"/>
+              </a:rPr>
+              <a:t>的</a:t>
+            </a:r>
+            <a:r>
               <a:rPr lang="zh-TW" altLang="en-US" sz="4800" b="1" dirty="0">
                 <a:solidFill>
                   <a:srgbClr val="660033"/>
@@ -3976,17 +4175,7 @@
                 <a:latin typeface="微軟正黑體" pitchFamily="34" charset="-120"/>
                 <a:ea typeface="微軟正黑體" pitchFamily="34" charset="-120"/>
               </a:rPr>
-              <a:t>你的愛最</a:t>
-            </a:r>
-            <a:r>
-              <a:rPr lang="zh-TW" altLang="en-US" sz="4800" b="1" dirty="0">
-                <a:solidFill>
-                  <a:srgbClr val="660033"/>
-                </a:solidFill>
-                <a:latin typeface="微軟正黑體" pitchFamily="34" charset="-120"/>
-                <a:ea typeface="微軟正黑體" pitchFamily="34" charset="-120"/>
-              </a:rPr>
-              <a:t>美</a:t>
+              <a:t>愛最美</a:t>
             </a:r>
             <a:endParaRPr lang="en-US" altLang="zh-TW" sz="4800" b="1" dirty="0">
               <a:solidFill>
@@ -4008,27 +4197,27 @@
                 <a:latin typeface="微軟正黑體" pitchFamily="34" charset="-120"/>
                 <a:ea typeface="微軟正黑體" pitchFamily="34" charset="-120"/>
               </a:rPr>
-              <a:t>我</a:t>
-            </a:r>
-            <a:r>
-              <a:rPr lang="zh-TW" altLang="en-US" sz="4800" b="1" dirty="0">
-                <a:solidFill>
-                  <a:srgbClr val="660033"/>
-                </a:solidFill>
-                <a:latin typeface="微軟正黑體" pitchFamily="34" charset="-120"/>
-                <a:ea typeface="微軟正黑體" pitchFamily="34" charset="-120"/>
-              </a:rPr>
-              <a:t>心不住思念</a:t>
-            </a:r>
-            <a:r>
-              <a:rPr lang="zh-TW" altLang="en-US" sz="4800" b="1" dirty="0">
-                <a:solidFill>
-                  <a:srgbClr val="660033"/>
-                </a:solidFill>
-                <a:latin typeface="微軟正黑體" pitchFamily="34" charset="-120"/>
-                <a:ea typeface="微軟正黑體" pitchFamily="34" charset="-120"/>
-              </a:rPr>
-              <a:t>你</a:t>
+              <a:t>我心不住思</a:t>
+            </a:r>
+            <a:r>
+              <a:rPr lang="zh-TW" altLang="en-US" sz="4800" b="1" dirty="0" smtClean="0">
+                <a:solidFill>
+                  <a:srgbClr val="660033"/>
+                </a:solidFill>
+                <a:latin typeface="微軟正黑體" pitchFamily="34" charset="-120"/>
+                <a:ea typeface="微軟正黑體" pitchFamily="34" charset="-120"/>
+              </a:rPr>
+              <a:t>念</a:t>
+            </a:r>
+            <a:r>
+              <a:rPr lang="zh-CN" altLang="en-US" sz="4800" b="1" dirty="0">
+                <a:solidFill>
+                  <a:srgbClr val="660033"/>
+                </a:solidFill>
+                <a:latin typeface="微軟正黑體" pitchFamily="34" charset="-120"/>
+                <a:ea typeface="微軟正黑體" pitchFamily="34" charset="-120"/>
+              </a:rPr>
+              <a:t>袮</a:t>
             </a:r>
             <a:endParaRPr lang="en-US" altLang="zh-TW" sz="4800" b="1" dirty="0">
               <a:solidFill>
@@ -4050,7 +4239,37 @@
                 <a:latin typeface="微軟正黑體" pitchFamily="34" charset="-120"/>
                 <a:ea typeface="微軟正黑體" pitchFamily="34" charset="-120"/>
               </a:rPr>
-              <a:t>只</a:t>
+              <a:t>只願</a:t>
+            </a:r>
+            <a:r>
+              <a:rPr lang="zh-TW" altLang="en-US" sz="4800" b="1" dirty="0" smtClean="0">
+                <a:solidFill>
+                  <a:srgbClr val="660033"/>
+                </a:solidFill>
+                <a:latin typeface="微軟正黑體" pitchFamily="34" charset="-120"/>
+                <a:ea typeface="微軟正黑體" pitchFamily="34" charset="-120"/>
+              </a:rPr>
+              <a:t>與</a:t>
+            </a:r>
+            <a:r>
+              <a:rPr lang="zh-CN" altLang="en-US" sz="4800" b="1" dirty="0">
+                <a:solidFill>
+                  <a:srgbClr val="660033"/>
+                </a:solidFill>
+                <a:latin typeface="微軟正黑體" pitchFamily="34" charset="-120"/>
+                <a:ea typeface="微軟正黑體" pitchFamily="34" charset="-120"/>
+              </a:rPr>
+              <a:t>袮</a:t>
+            </a:r>
+            <a:r>
+              <a:rPr lang="zh-TW" altLang="en-US" sz="4800" b="1" dirty="0" smtClean="0">
+                <a:solidFill>
+                  <a:srgbClr val="660033"/>
+                </a:solidFill>
+                <a:latin typeface="微軟正黑體" pitchFamily="34" charset="-120"/>
+                <a:ea typeface="微軟正黑體" pitchFamily="34" charset="-120"/>
+              </a:rPr>
+              <a:t>面</a:t>
             </a:r>
             <a:r>
               <a:rPr lang="zh-TW" altLang="en-US" sz="4800" b="1" dirty="0">
@@ -4060,7 +4279,7 @@
                 <a:latin typeface="微軟正黑體" pitchFamily="34" charset="-120"/>
                 <a:ea typeface="微軟正黑體" pitchFamily="34" charset="-120"/>
               </a:rPr>
-              <a:t>願與你面對面</a:t>
+              <a:t>對面</a:t>
             </a:r>
           </a:p>
         </p:txBody>
